--- a/Original_Format/対策・脆弱性・脅威・リスク・資産の関係.pptx
+++ b/Original_Format/対策・脆弱性・脅威・リスク・資産の関係.pptx
@@ -109,15 +109,7 @@
 
 <file path=ppt/slideLayouts/slideLayout1.xml><?xml version="1.0" encoding="utf-8"?>
 <p:sldLayout xmlns:a="http://schemas.openxmlformats.org/drawingml/2006/main" xmlns:r="http://schemas.openxmlformats.org/officeDocument/2006/relationships" xmlns:p="http://schemas.openxmlformats.org/presentationml/2006/main" type="title" preserve="1" showMasterSp="0">
-  <p:cSld name="Title">
-    <p:bg>
-      <p:bgPr>
-        <a:solidFill>
-          <a:schemeClr val="bg1"/>
-        </a:solidFill>
-        <a:effectLst/>
-      </p:bgPr>
-    </p:bg>
+  <p:cSld name="00-Title">
     <p:spTree>
       <p:nvGrpSpPr>
         <p:cNvPr id="1" name=""/>
@@ -134,22 +126,33 @@
       </p:grpSpPr>
       <p:cxnSp>
         <p:nvCxnSpPr>
-          <p:cNvPr id="8" name="直線コネクタ 7"/>
+          <p:cNvPr id="7" name="直線コネクタ 6"/>
           <p:cNvCxnSpPr/>
           <p:nvPr/>
         </p:nvCxnSpPr>
         <p:spPr>
           <a:xfrm>
-            <a:off x="0" y="971550"/>
-            <a:ext cx="12204700" cy="12700"/>
+            <a:off x="36000" y="1016000"/>
+            <a:ext cx="12132000" cy="0"/>
           </a:xfrm>
           <a:prstGeom prst="line">
             <a:avLst/>
           </a:prstGeom>
-          <a:ln w="190500" cap="flat" cmpd="thickThin">
-            <a:solidFill>
-              <a:schemeClr val="accent5"/>
-            </a:solidFill>
+          <a:ln w="127000" cap="flat" cmpd="sng">
+            <a:gradFill>
+              <a:gsLst>
+                <a:gs pos="0">
+                  <a:schemeClr val="accent5">
+                    <a:lumMod val="20000"/>
+                    <a:lumOff val="80000"/>
+                  </a:schemeClr>
+                </a:gs>
+                <a:gs pos="100000">
+                  <a:schemeClr val="accent5"/>
+                </a:gs>
+              </a:gsLst>
+              <a:lin ang="16200000" scaled="1"/>
+            </a:gradFill>
           </a:ln>
         </p:spPr>
         <p:style>
@@ -169,22 +172,34 @@
       </p:cxnSp>
       <p:cxnSp>
         <p:nvCxnSpPr>
-          <p:cNvPr id="6" name="直線コネクタ 5"/>
+          <p:cNvPr id="8" name="直線コネクタ 7"/>
           <p:cNvCxnSpPr/>
           <p:nvPr/>
         </p:nvCxnSpPr>
         <p:spPr>
           <a:xfrm>
-            <a:off x="0" y="4211638"/>
-            <a:ext cx="12204700" cy="0"/>
+            <a:off x="36000" y="4148138"/>
+            <a:ext cx="12132000" cy="0"/>
           </a:xfrm>
           <a:prstGeom prst="line">
             <a:avLst/>
           </a:prstGeom>
-          <a:ln w="190500" cap="flat" cmpd="thinThick">
-            <a:solidFill>
-              <a:schemeClr val="accent5"/>
-            </a:solidFill>
+          <a:ln w="127000" cap="flat" cmpd="sng">
+            <a:gradFill>
+              <a:gsLst>
+                <a:gs pos="0">
+                  <a:schemeClr val="accent5">
+                    <a:lumMod val="20000"/>
+                    <a:lumOff val="80000"/>
+                  </a:schemeClr>
+                </a:gs>
+                <a:gs pos="100000">
+                  <a:schemeClr val="accent5"/>
+                </a:gs>
+              </a:gsLst>
+              <a:lin ang="5400000" scaled="1"/>
+            </a:gradFill>
+            <a:miter lim="800000"/>
           </a:ln>
         </p:spPr>
         <p:style>
@@ -204,7 +219,7 @@
       </p:cxnSp>
       <p:sp>
         <p:nvSpPr>
-          <p:cNvPr id="2" name="タイトル 1"/>
+          <p:cNvPr id="9" name="タイトル 8"/>
           <p:cNvSpPr>
             <a:spLocks noGrp="1"/>
           </p:cNvSpPr>
@@ -214,17 +229,19 @@
         </p:nvSpPr>
         <p:spPr>
           <a:xfrm>
-            <a:off x="900000" y="1008000"/>
-            <a:ext cx="10080000" cy="3060000"/>
-          </a:xfrm>
-        </p:spPr>
-        <p:txBody>
-          <a:bodyPr anchor="ctr" anchorCtr="0"/>
+            <a:off x="972000" y="1080000"/>
+            <a:ext cx="10800080" cy="2967355"/>
+          </a:xfrm>
+        </p:spPr>
+        <p:txBody>
+          <a:bodyPr anchor="ctr" anchorCtr="0">
+            <a:noAutofit/>
+          </a:bodyPr>
           <a:lstStyle>
             <a:lvl1pPr algn="l">
-              <a:defRPr sz="4800" b="1">
+              <a:defRPr sz="5400" b="1">
                 <a:solidFill>
-                  <a:schemeClr val="accent5"/>
+                  <a:schemeClr val="tx1"/>
                 </a:solidFill>
                 <a:effectLst>
                   <a:outerShdw blurRad="38100" dist="38100" dir="2700000" algn="tl">
@@ -244,13 +261,13 @@
               <a:rPr kumimoji="1" lang="ja-JP" altLang="en-US" strike="noStrike" noProof="1" dirty="0" smtClean="0"/>
               <a:t>マスタ タイトルの書式設定</a:t>
             </a:r>
-            <a:endParaRPr kumimoji="1" lang="ja-JP" altLang="en-US" strike="noStrike" noProof="1" dirty="0"/>
-          </a:p>
-        </p:txBody>
-      </p:sp>
-      <p:sp>
-        <p:nvSpPr>
-          <p:cNvPr id="3" name="サブタイトル 2"/>
+            <a:endParaRPr kumimoji="1" lang="ja-JP" altLang="en-US" strike="noStrike" noProof="1" dirty="0" smtClean="0"/>
+          </a:p>
+        </p:txBody>
+      </p:sp>
+      <p:sp>
+        <p:nvSpPr>
+          <p:cNvPr id="10" name="サブタイトル 9"/>
           <p:cNvSpPr>
             <a:spLocks noGrp="1"/>
           </p:cNvSpPr>
@@ -260,8 +277,8 @@
         </p:nvSpPr>
         <p:spPr>
           <a:xfrm>
-            <a:off x="4500000" y="4392000"/>
-            <a:ext cx="7369175" cy="2058670"/>
+            <a:off x="3931620" y="4320000"/>
+            <a:ext cx="7912100" cy="2058670"/>
           </a:xfrm>
         </p:spPr>
         <p:txBody>
@@ -269,9 +286,9 @@
           <a:lstStyle>
             <a:lvl1pPr marL="0" indent="0" algn="r">
               <a:buNone/>
-              <a:defRPr sz="3600" b="0">
+              <a:defRPr sz="4000" b="1">
                 <a:solidFill>
-                  <a:schemeClr val="accent5"/>
+                  <a:schemeClr val="tx1"/>
                 </a:solidFill>
                 <a:effectLst>
                   <a:outerShdw blurRad="38100" dist="38100" dir="2700000" algn="tl">
@@ -338,7 +355,7 @@
 
 <file path=ppt/slideLayouts/slideLayout2.xml><?xml version="1.0" encoding="utf-8"?>
 <p:sldLayout xmlns:a="http://schemas.openxmlformats.org/drawingml/2006/main" xmlns:r="http://schemas.openxmlformats.org/officeDocument/2006/relationships" xmlns:p="http://schemas.openxmlformats.org/presentationml/2006/main" preserve="1" userDrawn="1">
-  <p:cSld name="ユーザー設定レイアウト">
+  <p:cSld name="01-Normal">
     <p:spTree>
       <p:nvGrpSpPr>
         <p:cNvPr id="1" name=""/>
@@ -365,13 +382,17 @@
         </p:nvSpPr>
         <p:spPr>
           <a:xfrm>
-            <a:off x="704850" y="180000"/>
-            <a:ext cx="10079038" cy="461963"/>
+            <a:off x="828000" y="180000"/>
+            <a:ext cx="9921875" cy="669290"/>
           </a:xfrm>
         </p:spPr>
         <p:txBody>
           <a:bodyPr/>
-          <a:lstStyle/>
+          <a:lstStyle>
+            <a:lvl1pPr>
+              <a:defRPr sz="4400"/>
+            </a:lvl1pPr>
+          </a:lstStyle>
           <a:p>
             <a:pPr fontAlgn="auto"/>
             <a:r>
@@ -384,7 +405,7 @@
       </p:sp>
       <p:sp>
         <p:nvSpPr>
-          <p:cNvPr id="9" name="テキスト プレースホルダー 2"/>
+          <p:cNvPr id="7" name="テキスト プレースホルダー 2"/>
           <p:cNvSpPr>
             <a:spLocks noGrp="1"/>
           </p:cNvSpPr>
@@ -394,8 +415,8 @@
         </p:nvSpPr>
         <p:spPr>
           <a:xfrm>
-            <a:off x="324000" y="864000"/>
-            <a:ext cx="11520000" cy="5400000"/>
+            <a:off x="539750" y="1116000"/>
+            <a:ext cx="11087735" cy="5112000"/>
           </a:xfrm>
           <a:prstGeom prst="rect">
             <a:avLst/>
@@ -412,9 +433,9 @@
               <a:buBlip>
                 <a:blip r:embed="rId2"/>
               </a:buBlip>
-              <a:defRPr sz="2800">
+              <a:defRPr sz="3600">
                 <a:solidFill>
-                  <a:srgbClr val="0070C0"/>
+                  <a:schemeClr val="tx1"/>
                 </a:solidFill>
                 <a:latin typeface="Takao Pゴシック" panose="020B0500000000000000" charset="-128"/>
                 <a:ea typeface="Takao Pゴシック" panose="020B0500000000000000" charset="-128"/>
@@ -426,9 +447,9 @@
               <a:buBlip>
                 <a:blip r:embed="rId3"/>
               </a:buBlip>
-              <a:defRPr sz="2400">
+              <a:defRPr sz="3200">
                 <a:solidFill>
-                  <a:srgbClr val="0070C0"/>
+                  <a:schemeClr val="tx1"/>
                 </a:solidFill>
                 <a:latin typeface="Takao Pゴシック" panose="020B0500000000000000" charset="-128"/>
                 <a:ea typeface="Takao Pゴシック" panose="020B0500000000000000" charset="-128"/>
@@ -440,9 +461,9 @@
               <a:buBlip>
                 <a:blip r:embed="rId4"/>
               </a:buBlip>
-              <a:defRPr sz="2400">
+              <a:defRPr sz="2800">
                 <a:solidFill>
-                  <a:srgbClr val="0070C0"/>
+                  <a:schemeClr val="tx1"/>
                 </a:solidFill>
                 <a:latin typeface="Takao Pゴシック" panose="020B0500000000000000" charset="-128"/>
                 <a:ea typeface="Takao Pゴシック" panose="020B0500000000000000" charset="-128"/>
@@ -454,24 +475,24 @@
               <a:buBlip>
                 <a:blip r:embed="rId5"/>
               </a:buBlip>
-              <a:defRPr sz="2400">
+              <a:defRPr sz="2800">
                 <a:solidFill>
-                  <a:srgbClr val="0070C0"/>
+                  <a:schemeClr val="tx1"/>
                 </a:solidFill>
                 <a:latin typeface="Takao Pゴシック" panose="020B0500000000000000" charset="-128"/>
                 <a:ea typeface="Takao Pゴシック" panose="020B0500000000000000" charset="-128"/>
               </a:defRPr>
             </a:lvl4pPr>
-            <a:lvl5pPr marL="1715135" indent="-342900">
+            <a:lvl5pPr marL="1829435" indent="-457200">
               <a:buClrTx/>
               <a:buSzPct val="100000"/>
-              <a:buFont typeface="Arial" panose="020B0604020202020204" pitchFamily="34" charset="0"/>
+              <a:buFont typeface="Wingdings" panose="05000000000000000000" charset="0"/>
               <a:buBlip>
                 <a:blip r:embed="rId6"/>
               </a:buBlip>
-              <a:defRPr sz="2400">
+              <a:defRPr sz="2800">
                 <a:solidFill>
-                  <a:srgbClr val="0070C0"/>
+                  <a:schemeClr val="tx1"/>
                 </a:solidFill>
                 <a:latin typeface="Takao Pゴシック" panose="020B0500000000000000" charset="-128"/>
                 <a:ea typeface="Takao Pゴシック" panose="020B0500000000000000" charset="-128"/>
@@ -537,15 +558,21 @@
           <a:p>
             <a:pPr lvl="4" fontAlgn="auto"/>
             <a:r>
-              <a:rPr kumimoji="1" lang="ja-JP" altLang="en-US" strike="noStrike" noProof="1" dirty="0" smtClean="0"/>
+              <a:rPr lang="ja-JP" altLang="en-US" strike="noStrike" noProof="1" dirty="0" smtClean="0">
+                <a:sym typeface="+mn-ea"/>
+              </a:rPr>
               <a:t>第 </a:t>
             </a:r>
             <a:r>
-              <a:rPr kumimoji="1" lang="en-US" altLang="ja-JP" strike="noStrike" noProof="1" dirty="0" smtClean="0"/>
-              <a:t>5 </a:t>
-            </a:r>
-            <a:r>
-              <a:rPr kumimoji="1" lang="ja-JP" altLang="en-US" strike="noStrike" noProof="1" dirty="0" smtClean="0"/>
+              <a:rPr lang="en-US" altLang="ja-JP" strike="noStrike" noProof="1" dirty="0" smtClean="0">
+                <a:sym typeface="+mn-ea"/>
+              </a:rPr>
+              <a:t>4 </a:t>
+            </a:r>
+            <a:r>
+              <a:rPr lang="ja-JP" altLang="en-US" strike="noStrike" noProof="1" dirty="0" smtClean="0">
+                <a:sym typeface="+mn-ea"/>
+              </a:rPr>
               <a:t>レベル</a:t>
             </a:r>
             <a:endParaRPr kumimoji="1" lang="ja-JP" altLang="en-US" strike="noStrike" noProof="1" dirty="0"/>
@@ -554,31 +581,12 @@
       </p:sp>
       <p:sp>
         <p:nvSpPr>
-          <p:cNvPr id="3" name="フッタープレースホルダ 2"/>
+          <p:cNvPr id="3" name="スライド番号プレースホルダ 2"/>
           <p:cNvSpPr>
             <a:spLocks noGrp="1"/>
           </p:cNvSpPr>
           <p:nvPr>
-            <p:ph type="ftr" sz="quarter" idx="14"/>
-          </p:nvPr>
-        </p:nvSpPr>
-        <p:spPr/>
-        <p:txBody>
-          <a:bodyPr/>
-          <a:p>
-            <a:pPr fontAlgn="auto"/>
-            <a:endParaRPr kumimoji="1" lang="ja-JP" altLang="en-US" strike="noStrike" noProof="1"/>
-          </a:p>
-        </p:txBody>
-      </p:sp>
-      <p:sp>
-        <p:nvSpPr>
-          <p:cNvPr id="4" name="スライド番号プレースホルダ 3"/>
-          <p:cNvSpPr>
-            <a:spLocks noGrp="1"/>
-          </p:cNvSpPr>
-          <p:nvPr>
-            <p:ph type="sldNum" sz="quarter" idx="15"/>
+            <p:ph type="sldNum" sz="quarter" idx="14"/>
           </p:nvPr>
         </p:nvSpPr>
         <p:spPr/>
@@ -593,6 +601,25 @@
                 <a:cs typeface="+mn-cs"/>
               </a:rPr>
             </a:fld>
+            <a:endParaRPr kumimoji="1" lang="ja-JP" altLang="en-US" strike="noStrike" noProof="1"/>
+          </a:p>
+        </p:txBody>
+      </p:sp>
+      <p:sp>
+        <p:nvSpPr>
+          <p:cNvPr id="4" name="フッタープレースホルダ 3"/>
+          <p:cNvSpPr>
+            <a:spLocks noGrp="1"/>
+          </p:cNvSpPr>
+          <p:nvPr>
+            <p:ph type="ftr" sz="quarter" idx="15"/>
+          </p:nvPr>
+        </p:nvSpPr>
+        <p:spPr/>
+        <p:txBody>
+          <a:bodyPr/>
+          <a:p>
+            <a:pPr fontAlgn="auto"/>
             <a:endParaRPr kumimoji="1" lang="ja-JP" altLang="en-US" strike="noStrike" noProof="1"/>
           </a:p>
         </p:txBody>
@@ -608,7 +635,7 @@
 
 <file path=ppt/slideLayouts/slideLayout3.xml><?xml version="1.0" encoding="utf-8"?>
 <p:sldLayout xmlns:a="http://schemas.openxmlformats.org/drawingml/2006/main" xmlns:r="http://schemas.openxmlformats.org/officeDocument/2006/relationships" xmlns:p="http://schemas.openxmlformats.org/presentationml/2006/main" preserve="1" userDrawn="1">
-  <p:cSld name="1_ユーザー設定レイアウト">
+  <p:cSld name="02-Twin">
     <p:spTree>
       <p:nvGrpSpPr>
         <p:cNvPr id="1" name=""/>
@@ -635,13 +662,17 @@
         </p:nvSpPr>
         <p:spPr>
           <a:xfrm>
-            <a:off x="704850" y="180000"/>
-            <a:ext cx="10079038" cy="461963"/>
+            <a:off x="828000" y="180000"/>
+            <a:ext cx="9921875" cy="726440"/>
           </a:xfrm>
         </p:spPr>
         <p:txBody>
           <a:bodyPr/>
-          <a:lstStyle/>
+          <a:lstStyle>
+            <a:lvl1pPr>
+              <a:defRPr sz="4400"/>
+            </a:lvl1pPr>
+          </a:lstStyle>
           <a:p>
             <a:pPr fontAlgn="auto"/>
             <a:r>
@@ -654,18 +685,18 @@
       </p:sp>
       <p:sp>
         <p:nvSpPr>
-          <p:cNvPr id="6" name="テキスト プレースホルダー 2"/>
+          <p:cNvPr id="7" name="テキスト プレースホルダー 2"/>
           <p:cNvSpPr>
             <a:spLocks noGrp="1"/>
           </p:cNvSpPr>
           <p:nvPr>
-            <p:ph type="body" idx="13"/>
+            <p:ph type="body" idx="24"/>
           </p:nvPr>
         </p:nvSpPr>
         <p:spPr>
           <a:xfrm>
-            <a:off x="360000" y="864235"/>
-            <a:ext cx="5652000" cy="5400040"/>
+            <a:off x="360000" y="1116000"/>
+            <a:ext cx="5544000" cy="5112000"/>
           </a:xfrm>
           <a:prstGeom prst="rect">
             <a:avLst/>
@@ -682,9 +713,9 @@
               <a:buBlip>
                 <a:blip r:embed="rId2"/>
               </a:buBlip>
-              <a:defRPr sz="2800">
+              <a:defRPr sz="3600">
                 <a:solidFill>
-                  <a:srgbClr val="0070C0"/>
+                  <a:schemeClr val="tx1"/>
                 </a:solidFill>
                 <a:latin typeface="Takao Pゴシック" panose="020B0500000000000000" charset="-128"/>
                 <a:ea typeface="Takao Pゴシック" panose="020B0500000000000000" charset="-128"/>
@@ -696,9 +727,9 @@
               <a:buBlip>
                 <a:blip r:embed="rId3"/>
               </a:buBlip>
-              <a:defRPr sz="2400">
+              <a:defRPr sz="3200">
                 <a:solidFill>
-                  <a:srgbClr val="0070C0"/>
+                  <a:schemeClr val="tx1"/>
                 </a:solidFill>
                 <a:latin typeface="Takao Pゴシック" panose="020B0500000000000000" charset="-128"/>
                 <a:ea typeface="Takao Pゴシック" panose="020B0500000000000000" charset="-128"/>
@@ -710,9 +741,9 @@
               <a:buBlip>
                 <a:blip r:embed="rId4"/>
               </a:buBlip>
-              <a:defRPr sz="2400">
+              <a:defRPr sz="2800">
                 <a:solidFill>
-                  <a:srgbClr val="0070C0"/>
+                  <a:schemeClr val="tx1"/>
                 </a:solidFill>
                 <a:latin typeface="Takao Pゴシック" panose="020B0500000000000000" charset="-128"/>
                 <a:ea typeface="Takao Pゴシック" panose="020B0500000000000000" charset="-128"/>
@@ -724,24 +755,24 @@
               <a:buBlip>
                 <a:blip r:embed="rId5"/>
               </a:buBlip>
-              <a:defRPr sz="2400">
+              <a:defRPr sz="2800">
                 <a:solidFill>
-                  <a:srgbClr val="0070C0"/>
+                  <a:schemeClr val="tx1"/>
                 </a:solidFill>
                 <a:latin typeface="Takao Pゴシック" panose="020B0500000000000000" charset="-128"/>
                 <a:ea typeface="Takao Pゴシック" panose="020B0500000000000000" charset="-128"/>
               </a:defRPr>
             </a:lvl4pPr>
-            <a:lvl5pPr marL="1715135" indent="-342900">
+            <a:lvl5pPr marL="1829435" indent="-457200">
               <a:buClrTx/>
               <a:buSzPct val="100000"/>
-              <a:buFont typeface="Arial" panose="020B0604020202020204" pitchFamily="34" charset="0"/>
+              <a:buFont typeface="Wingdings" panose="05000000000000000000" charset="0"/>
               <a:buBlip>
                 <a:blip r:embed="rId6"/>
               </a:buBlip>
-              <a:defRPr sz="2400">
+              <a:defRPr sz="2800">
                 <a:solidFill>
-                  <a:srgbClr val="0070C0"/>
+                  <a:schemeClr val="tx1"/>
                 </a:solidFill>
                 <a:latin typeface="Takao Pゴシック" panose="020B0500000000000000" charset="-128"/>
                 <a:ea typeface="Takao Pゴシック" panose="020B0500000000000000" charset="-128"/>
@@ -807,15 +838,21 @@
           <a:p>
             <a:pPr lvl="4" fontAlgn="auto"/>
             <a:r>
-              <a:rPr kumimoji="1" lang="ja-JP" altLang="en-US" strike="noStrike" noProof="1" dirty="0" smtClean="0"/>
+              <a:rPr lang="ja-JP" altLang="en-US" strike="noStrike" noProof="1" dirty="0" smtClean="0">
+                <a:sym typeface="+mn-ea"/>
+              </a:rPr>
               <a:t>第 </a:t>
             </a:r>
             <a:r>
-              <a:rPr kumimoji="1" lang="en-US" altLang="ja-JP" strike="noStrike" noProof="1" dirty="0" smtClean="0"/>
-              <a:t>5 </a:t>
-            </a:r>
-            <a:r>
-              <a:rPr kumimoji="1" lang="ja-JP" altLang="en-US" strike="noStrike" noProof="1" dirty="0" smtClean="0"/>
+              <a:rPr lang="en-US" altLang="ja-JP" strike="noStrike" noProof="1" dirty="0" smtClean="0">
+                <a:sym typeface="+mn-ea"/>
+              </a:rPr>
+              <a:t>4 </a:t>
+            </a:r>
+            <a:r>
+              <a:rPr lang="ja-JP" altLang="en-US" strike="noStrike" noProof="1" dirty="0" smtClean="0">
+                <a:sym typeface="+mn-ea"/>
+              </a:rPr>
               <a:t>レベル</a:t>
             </a:r>
             <a:endParaRPr kumimoji="1" lang="ja-JP" altLang="en-US" strike="noStrike" noProof="1" dirty="0"/>
@@ -824,18 +861,18 @@
       </p:sp>
       <p:sp>
         <p:nvSpPr>
-          <p:cNvPr id="7" name="テキスト プレースホルダー 2"/>
+          <p:cNvPr id="8" name="テキスト プレースホルダー 2"/>
           <p:cNvSpPr>
             <a:spLocks noGrp="1"/>
           </p:cNvSpPr>
           <p:nvPr>
-            <p:ph type="body" idx="23"/>
+            <p:ph type="body" idx="13"/>
           </p:nvPr>
         </p:nvSpPr>
         <p:spPr>
           <a:xfrm>
-            <a:off x="6228000" y="864235"/>
-            <a:ext cx="5652000" cy="5400040"/>
+            <a:off x="6264000" y="1116000"/>
+            <a:ext cx="5544000" cy="5112000"/>
           </a:xfrm>
           <a:prstGeom prst="rect">
             <a:avLst/>
@@ -852,9 +889,9 @@
               <a:buBlip>
                 <a:blip r:embed="rId2"/>
               </a:buBlip>
-              <a:defRPr sz="2800">
+              <a:defRPr sz="3600">
                 <a:solidFill>
-                  <a:srgbClr val="0070C0"/>
+                  <a:schemeClr val="tx1"/>
                 </a:solidFill>
                 <a:latin typeface="Takao Pゴシック" panose="020B0500000000000000" charset="-128"/>
                 <a:ea typeface="Takao Pゴシック" panose="020B0500000000000000" charset="-128"/>
@@ -866,9 +903,9 @@
               <a:buBlip>
                 <a:blip r:embed="rId3"/>
               </a:buBlip>
-              <a:defRPr sz="2400">
+              <a:defRPr sz="3200">
                 <a:solidFill>
-                  <a:srgbClr val="0070C0"/>
+                  <a:schemeClr val="tx1"/>
                 </a:solidFill>
                 <a:latin typeface="Takao Pゴシック" panose="020B0500000000000000" charset="-128"/>
                 <a:ea typeface="Takao Pゴシック" panose="020B0500000000000000" charset="-128"/>
@@ -880,9 +917,9 @@
               <a:buBlip>
                 <a:blip r:embed="rId4"/>
               </a:buBlip>
-              <a:defRPr sz="2400">
+              <a:defRPr sz="2800">
                 <a:solidFill>
-                  <a:srgbClr val="0070C0"/>
+                  <a:schemeClr val="tx1"/>
                 </a:solidFill>
                 <a:latin typeface="Takao Pゴシック" panose="020B0500000000000000" charset="-128"/>
                 <a:ea typeface="Takao Pゴシック" panose="020B0500000000000000" charset="-128"/>
@@ -894,24 +931,24 @@
               <a:buBlip>
                 <a:blip r:embed="rId5"/>
               </a:buBlip>
-              <a:defRPr sz="2400">
+              <a:defRPr sz="2800">
                 <a:solidFill>
-                  <a:srgbClr val="0070C0"/>
+                  <a:schemeClr val="tx1"/>
                 </a:solidFill>
                 <a:latin typeface="Takao Pゴシック" panose="020B0500000000000000" charset="-128"/>
                 <a:ea typeface="Takao Pゴシック" panose="020B0500000000000000" charset="-128"/>
               </a:defRPr>
             </a:lvl4pPr>
-            <a:lvl5pPr marL="1715135" indent="-342900">
+            <a:lvl5pPr marL="1829435" indent="-457200">
               <a:buClrTx/>
               <a:buSzPct val="100000"/>
-              <a:buFont typeface="Arial" panose="020B0604020202020204" pitchFamily="34" charset="0"/>
+              <a:buFont typeface="Wingdings" panose="05000000000000000000" charset="0"/>
               <a:buBlip>
                 <a:blip r:embed="rId6"/>
               </a:buBlip>
-              <a:defRPr sz="2400">
+              <a:defRPr sz="2800">
                 <a:solidFill>
-                  <a:srgbClr val="0070C0"/>
+                  <a:schemeClr val="tx1"/>
                 </a:solidFill>
                 <a:latin typeface="Takao Pゴシック" panose="020B0500000000000000" charset="-128"/>
                 <a:ea typeface="Takao Pゴシック" panose="020B0500000000000000" charset="-128"/>
@@ -977,15 +1014,21 @@
           <a:p>
             <a:pPr lvl="4" fontAlgn="auto"/>
             <a:r>
-              <a:rPr kumimoji="1" lang="ja-JP" altLang="en-US" strike="noStrike" noProof="1" dirty="0" smtClean="0"/>
+              <a:rPr lang="ja-JP" altLang="en-US" strike="noStrike" noProof="1" dirty="0" smtClean="0">
+                <a:sym typeface="+mn-ea"/>
+              </a:rPr>
               <a:t>第 </a:t>
             </a:r>
             <a:r>
-              <a:rPr kumimoji="1" lang="en-US" altLang="ja-JP" strike="noStrike" noProof="1" dirty="0" smtClean="0"/>
-              <a:t>5 </a:t>
-            </a:r>
-            <a:r>
-              <a:rPr kumimoji="1" lang="ja-JP" altLang="en-US" strike="noStrike" noProof="1" dirty="0" smtClean="0"/>
+              <a:rPr lang="en-US" altLang="ja-JP" strike="noStrike" noProof="1" dirty="0" smtClean="0">
+                <a:sym typeface="+mn-ea"/>
+              </a:rPr>
+              <a:t>4 </a:t>
+            </a:r>
+            <a:r>
+              <a:rPr lang="ja-JP" altLang="en-US" strike="noStrike" noProof="1" dirty="0" smtClean="0">
+                <a:sym typeface="+mn-ea"/>
+              </a:rPr>
               <a:t>レベル</a:t>
             </a:r>
             <a:endParaRPr kumimoji="1" lang="ja-JP" altLang="en-US" strike="noStrike" noProof="1" dirty="0"/>
@@ -994,26 +1037,7 @@
       </p:sp>
       <p:sp>
         <p:nvSpPr>
-          <p:cNvPr id="3" name="フッタープレースホルダ 2"/>
-          <p:cNvSpPr>
-            <a:spLocks noGrp="1"/>
-          </p:cNvSpPr>
-          <p:nvPr>
-            <p:ph type="ftr" sz="quarter" idx="24"/>
-          </p:nvPr>
-        </p:nvSpPr>
-        <p:spPr/>
-        <p:txBody>
-          <a:bodyPr/>
-          <a:p>
-            <a:pPr fontAlgn="auto"/>
-            <a:endParaRPr kumimoji="1" lang="ja-JP" altLang="en-US" strike="noStrike" noProof="1"/>
-          </a:p>
-        </p:txBody>
-      </p:sp>
-      <p:sp>
-        <p:nvSpPr>
-          <p:cNvPr id="4" name="スライド番号プレースホルダ 3"/>
+          <p:cNvPr id="3" name="スライド番号プレースホルダ 2"/>
           <p:cNvSpPr>
             <a:spLocks noGrp="1"/>
           </p:cNvSpPr>
@@ -1033,6 +1057,25 @@
                 <a:cs typeface="+mn-cs"/>
               </a:rPr>
             </a:fld>
+            <a:endParaRPr kumimoji="1" lang="ja-JP" altLang="en-US" strike="noStrike" noProof="1"/>
+          </a:p>
+        </p:txBody>
+      </p:sp>
+      <p:sp>
+        <p:nvSpPr>
+          <p:cNvPr id="4" name="フッタープレースホルダ 3"/>
+          <p:cNvSpPr>
+            <a:spLocks noGrp="1"/>
+          </p:cNvSpPr>
+          <p:nvPr>
+            <p:ph type="ftr" sz="quarter" idx="26"/>
+          </p:nvPr>
+        </p:nvSpPr>
+        <p:spPr/>
+        <p:txBody>
+          <a:bodyPr/>
+          <a:p>
+            <a:pPr fontAlgn="auto"/>
             <a:endParaRPr kumimoji="1" lang="ja-JP" altLang="en-US" strike="noStrike" noProof="1"/>
           </a:p>
         </p:txBody>
@@ -1048,7 +1091,7 @@
 
 <file path=ppt/slideLayouts/slideLayout4.xml><?xml version="1.0" encoding="utf-8"?>
 <p:sldLayout xmlns:a="http://schemas.openxmlformats.org/drawingml/2006/main" xmlns:r="http://schemas.openxmlformats.org/officeDocument/2006/relationships" xmlns:p="http://schemas.openxmlformats.org/presentationml/2006/main" preserve="1" userDrawn="1">
-  <p:cSld name="2_ユーザー設定レイアウト">
+  <p:cSld name="03-Blank">
     <p:spTree>
       <p:nvGrpSpPr>
         <p:cNvPr id="1" name=""/>
@@ -1075,13 +1118,17 @@
         </p:nvSpPr>
         <p:spPr>
           <a:xfrm>
-            <a:off x="704850" y="180000"/>
-            <a:ext cx="10079038" cy="461963"/>
+            <a:off x="828675" y="180000"/>
+            <a:ext cx="9921875" cy="669290"/>
           </a:xfrm>
         </p:spPr>
         <p:txBody>
           <a:bodyPr/>
-          <a:lstStyle/>
+          <a:lstStyle>
+            <a:lvl1pPr>
+              <a:defRPr sz="4400"/>
+            </a:lvl1pPr>
+          </a:lstStyle>
           <a:p>
             <a:pPr fontAlgn="auto"/>
             <a:r>
@@ -1094,31 +1141,12 @@
       </p:sp>
       <p:sp>
         <p:nvSpPr>
-          <p:cNvPr id="3" name="フッタープレースホルダ 2"/>
+          <p:cNvPr id="3" name="スライド番号プレースホルダ 2"/>
           <p:cNvSpPr>
             <a:spLocks noGrp="1"/>
           </p:cNvSpPr>
           <p:nvPr>
-            <p:ph type="ftr" sz="quarter" idx="10"/>
-          </p:nvPr>
-        </p:nvSpPr>
-        <p:spPr/>
-        <p:txBody>
-          <a:bodyPr/>
-          <a:p>
-            <a:pPr fontAlgn="auto"/>
-            <a:endParaRPr kumimoji="1" lang="ja-JP" altLang="en-US" strike="noStrike" noProof="1"/>
-          </a:p>
-        </p:txBody>
-      </p:sp>
-      <p:sp>
-        <p:nvSpPr>
-          <p:cNvPr id="4" name="スライド番号プレースホルダ 3"/>
-          <p:cNvSpPr>
-            <a:spLocks noGrp="1"/>
-          </p:cNvSpPr>
-          <p:nvPr>
-            <p:ph type="sldNum" sz="quarter" idx="11"/>
+            <p:ph type="sldNum" sz="quarter" idx="10"/>
           </p:nvPr>
         </p:nvSpPr>
         <p:spPr/>
@@ -1133,6 +1161,25 @@
                 <a:cs typeface="+mn-cs"/>
               </a:rPr>
             </a:fld>
+            <a:endParaRPr kumimoji="1" lang="ja-JP" altLang="en-US" strike="noStrike" noProof="1"/>
+          </a:p>
+        </p:txBody>
+      </p:sp>
+      <p:sp>
+        <p:nvSpPr>
+          <p:cNvPr id="4" name="フッタープレースホルダ 3"/>
+          <p:cNvSpPr>
+            <a:spLocks noGrp="1"/>
+          </p:cNvSpPr>
+          <p:nvPr>
+            <p:ph type="ftr" sz="quarter" idx="11"/>
+          </p:nvPr>
+        </p:nvSpPr>
+        <p:spPr/>
+        <p:txBody>
+          <a:bodyPr/>
+          <a:p>
+            <a:pPr fontAlgn="auto"/>
             <a:endParaRPr kumimoji="1" lang="ja-JP" altLang="en-US" strike="noStrike" noProof="1"/>
           </a:p>
         </p:txBody>
@@ -1148,15 +1195,7 @@
 
 <file path=ppt/slideLayouts/slideLayout5.xml><?xml version="1.0" encoding="utf-8"?>
 <p:sldLayout xmlns:a="http://schemas.openxmlformats.org/drawingml/2006/main" xmlns:r="http://schemas.openxmlformats.org/officeDocument/2006/relationships" xmlns:p="http://schemas.openxmlformats.org/presentationml/2006/main" preserve="1" userDrawn="1">
-  <p:cSld name="3_ユーザー設定レイアウト">
-    <p:bg>
-      <p:bgPr>
-        <a:solidFill>
-          <a:schemeClr val="bg1"/>
-        </a:solidFill>
-        <a:effectLst/>
-      </p:bgPr>
-    </p:bg>
+  <p:cSld name="10-SubTitle1">
     <p:spTree>
       <p:nvGrpSpPr>
         <p:cNvPr id="1" name=""/>
@@ -1173,22 +1212,24 @@
       </p:grpSpPr>
       <p:sp>
         <p:nvSpPr>
-          <p:cNvPr id="6" name="角丸四角形 5"/>
+          <p:cNvPr id="7" name="角丸四角形 6"/>
           <p:cNvSpPr/>
           <p:nvPr/>
         </p:nvSpPr>
         <p:spPr>
           <a:xfrm>
-            <a:off x="1790700" y="2136775"/>
-            <a:ext cx="8623300" cy="2752725"/>
+            <a:off x="1763713" y="1857375"/>
+            <a:ext cx="8662988" cy="3157538"/>
           </a:xfrm>
           <a:prstGeom prst="roundRect">
             <a:avLst>
               <a:gd name="adj" fmla="val 13124"/>
             </a:avLst>
           </a:prstGeom>
-          <a:noFill/>
-          <a:ln w="190500" cmpd="tri">
+          <a:solidFill>
+            <a:schemeClr val="accent5"/>
+          </a:solidFill>
+          <a:ln w="254000" cmpd="thinThick">
             <a:solidFill>
               <a:schemeClr val="accent5"/>
             </a:solidFill>
@@ -1196,12 +1237,12 @@
           </a:ln>
         </p:spPr>
         <p:txBody>
-          <a:bodyPr wrap="none" rtlCol="0" anchor="t">
+          <a:bodyPr wrap="none" rtlCol="0" anchor="ctr" anchorCtr="0">
             <a:noAutofit/>
           </a:bodyPr>
           <a:p>
             <a:pPr algn="ctr" fontAlgn="auto"/>
-            <a:endParaRPr lang="en-US" altLang="ja-JP" sz="5400" strike="noStrike" noProof="1">
+            <a:endParaRPr kumimoji="1" lang="ja-JP" altLang="en-US" sz="4800" b="1" strike="noStrike" noProof="1" dirty="0" smtClean="0">
               <a:ln w="12700">
                 <a:solidFill>
                   <a:schemeClr val="tx2">
@@ -1210,234 +1251,59 @@
                 </a:solidFill>
                 <a:prstDash val="solid"/>
               </a:ln>
-              <a:pattFill prst="dkUpDiag">
-                <a:fgClr>
-                  <a:schemeClr val="tx2"/>
-                </a:fgClr>
-                <a:bgClr>
-                  <a:schemeClr val="tx2">
-                    <a:lumMod val="20000"/>
-                    <a:lumOff val="80000"/>
-                  </a:schemeClr>
-                </a:bgClr>
-              </a:pattFill>
+              <a:solidFill>
+                <a:schemeClr val="bg1"/>
+              </a:solidFill>
               <a:effectLst>
-                <a:outerShdw dist="38100" dir="2640000" algn="bl" rotWithShape="0">
-                  <a:schemeClr val="tx2">
-                    <a:lumMod val="75000"/>
-                  </a:schemeClr>
+                <a:outerShdw blurRad="38100" dist="38100" dir="2700000" algn="tl">
+                  <a:srgbClr val="000000">
+                    <a:alpha val="43137"/>
+                  </a:srgbClr>
                 </a:outerShdw>
               </a:effectLst>
               <a:latin typeface="Takao Pゴシック" panose="020B0500000000000000" charset="-128"/>
               <a:ea typeface="Takao Pゴシック" panose="020B0500000000000000" charset="-128"/>
+              <a:sym typeface="+mn-ea"/>
             </a:endParaRPr>
           </a:p>
         </p:txBody>
       </p:sp>
       <p:sp>
         <p:nvSpPr>
-          <p:cNvPr id="7" name="タイトル 1"/>
+          <p:cNvPr id="2" name="タイトル 1"/>
           <p:cNvSpPr>
             <a:spLocks noGrp="1"/>
           </p:cNvSpPr>
-          <p:nvPr/>
-        </p:nvSpPr>
-        <p:spPr>
-          <a:xfrm>
-            <a:off x="2071369" y="2452369"/>
-            <a:ext cx="8070850" cy="2155191"/>
-          </a:xfrm>
-          <a:prstGeom prst="rect">
-            <a:avLst/>
-          </a:prstGeom>
-          <a:noFill/>
-          <a:ln w="76200" cmpd="thickThin">
-            <a:noFill/>
-            <a:prstDash val="solid"/>
-            <a:miter/>
-          </a:ln>
-        </p:spPr>
-        <p:txBody>
-          <a:bodyPr lIns="91440" tIns="45720" rIns="91440" bIns="45720" anchor="ctr" anchorCtr="0">
-            <a:scene3d>
-              <a:camera prst="orthographicFront"/>
-              <a:lightRig rig="threePt" dir="t"/>
-            </a:scene3d>
+          <p:nvPr>
+            <p:ph type="title"/>
+          </p:nvPr>
+        </p:nvSpPr>
+        <p:spPr>
+          <a:xfrm>
+            <a:off x="1995170" y="2009140"/>
+            <a:ext cx="8241030" cy="2853690"/>
+          </a:xfrm>
+        </p:spPr>
+        <p:txBody>
+          <a:bodyPr wrap="none" anchor="ctr" anchorCtr="0">
+            <a:noAutofit/>
           </a:bodyPr>
           <a:lstStyle>
             <a:lvl1pPr algn="ctr">
-              <a:defRPr sz="4800" b="1">
+              <a:defRPr sz="4800">
                 <a:solidFill>
-                  <a:schemeClr val="accent5"/>
+                  <a:schemeClr val="bg1"/>
                 </a:solidFill>
-                <a:effectLst>
-                  <a:outerShdw blurRad="38100" dist="38100" dir="2700000" algn="tl">
-                    <a:srgbClr val="000000">
-                      <a:alpha val="43137"/>
-                    </a:srgbClr>
-                  </a:outerShdw>
-                </a:effectLst>
-                <a:latin typeface="Meiryo UI" panose="020B0604030504040204" charset="-128"/>
-                <a:ea typeface="Meiryo UI" panose="020B0604030504040204" charset="-128"/>
               </a:defRPr>
             </a:lvl1pPr>
           </a:lstStyle>
           <a:p>
             <a:pPr fontAlgn="auto"/>
             <a:r>
-              <a:rPr kumimoji="1" lang="ja-JP" altLang="en-US" strike="noStrike" noProof="1" dirty="0" smtClean="0">
-                <a:latin typeface="Takao Pゴシック" panose="020B0500000000000000" charset="-128"/>
-                <a:ea typeface="Takao Pゴシック" panose="020B0500000000000000" charset="-128"/>
-                <a:cs typeface="+mn-ea"/>
-              </a:rPr>
+              <a:rPr kumimoji="1" lang="ja-JP" altLang="en-US" strike="noStrike" noProof="1" dirty="0" smtClean="0"/>
               <a:t>マスタ タイトルの書式設定</a:t>
             </a:r>
-            <a:endParaRPr kumimoji="1" lang="ja-JP" altLang="en-US" strike="noStrike" noProof="1" dirty="0" smtClean="0">
-              <a:latin typeface="Takao Pゴシック" panose="020B0500000000000000" charset="-128"/>
-              <a:ea typeface="Takao Pゴシック" panose="020B0500000000000000" charset="-128"/>
-              <a:cs typeface="+mn-ea"/>
-            </a:endParaRPr>
-          </a:p>
-        </p:txBody>
-      </p:sp>
-      <p:sp>
-        <p:nvSpPr>
-          <p:cNvPr id="5" name="スライド番号プレースホルダ 3"/>
-          <p:cNvSpPr>
-            <a:spLocks noGrp="1"/>
-          </p:cNvSpPr>
-          <p:nvPr/>
-        </p:nvSpPr>
-        <p:spPr>
-          <a:xfrm>
-            <a:off x="11196000" y="144000"/>
-            <a:ext cx="892175" cy="579120"/>
-          </a:xfrm>
-          <a:prstGeom prst="rect">
-            <a:avLst/>
-          </a:prstGeom>
-        </p:spPr>
-        <p:txBody>
-          <a:bodyPr vert="horz" wrap="square" lIns="91440" tIns="45720" rIns="91440" bIns="45720" rtlCol="0" anchor="ctr">
-            <a:spAutoFit/>
-          </a:bodyPr>
-          <a:lstStyle>
-            <a:defPPr>
-              <a:defRPr lang="ja-JP"/>
-            </a:defPPr>
-            <a:lvl1pPr marL="0" algn="r" defTabSz="685800" rtl="0" eaLnBrk="1" latinLnBrk="0" hangingPunct="1">
-              <a:defRPr kumimoji="1" sz="3200" b="1" kern="1200">
-                <a:solidFill>
-                  <a:schemeClr val="bg1"/>
-                </a:solidFill>
-                <a:effectLst>
-                  <a:glow rad="444500">
-                    <a:schemeClr val="accent5">
-                      <a:alpha val="40000"/>
-                    </a:schemeClr>
-                  </a:glow>
-                  <a:outerShdw blurRad="38100" dist="38100" dir="2700000" algn="tl">
-                    <a:srgbClr val="000000">
-                      <a:alpha val="43137"/>
-                    </a:srgbClr>
-                  </a:outerShdw>
-                </a:effectLst>
-                <a:latin typeface="Consolas" panose="020B0609020204030204" charset="0"/>
-                <a:ea typeface="Takaoゴシック" panose="020B0509000000000000" charset="-128"/>
-                <a:cs typeface="+mn-cs"/>
-              </a:defRPr>
-            </a:lvl1pPr>
-            <a:lvl2pPr marL="342900" algn="l" defTabSz="685800" rtl="0" eaLnBrk="1" latinLnBrk="0" hangingPunct="1">
-              <a:defRPr kumimoji="1" sz="1350" kern="1200">
-                <a:solidFill>
-                  <a:schemeClr val="tx1"/>
-                </a:solidFill>
-                <a:latin typeface="+mn-lt"/>
-                <a:ea typeface="+mn-ea"/>
-                <a:cs typeface="+mn-cs"/>
-              </a:defRPr>
-            </a:lvl2pPr>
-            <a:lvl3pPr marL="685800" algn="l" defTabSz="685800" rtl="0" eaLnBrk="1" latinLnBrk="0" hangingPunct="1">
-              <a:defRPr kumimoji="1" sz="1350" kern="1200">
-                <a:solidFill>
-                  <a:schemeClr val="tx1"/>
-                </a:solidFill>
-                <a:latin typeface="+mn-lt"/>
-                <a:ea typeface="+mn-ea"/>
-                <a:cs typeface="+mn-cs"/>
-              </a:defRPr>
-            </a:lvl3pPr>
-            <a:lvl4pPr marL="1028700" algn="l" defTabSz="685800" rtl="0" eaLnBrk="1" latinLnBrk="0" hangingPunct="1">
-              <a:defRPr kumimoji="1" sz="1350" kern="1200">
-                <a:solidFill>
-                  <a:schemeClr val="tx1"/>
-                </a:solidFill>
-                <a:latin typeface="+mn-lt"/>
-                <a:ea typeface="+mn-ea"/>
-                <a:cs typeface="+mn-cs"/>
-              </a:defRPr>
-            </a:lvl4pPr>
-            <a:lvl5pPr marL="1371600" algn="l" defTabSz="685800" rtl="0" eaLnBrk="1" latinLnBrk="0" hangingPunct="1">
-              <a:defRPr kumimoji="1" sz="1350" kern="1200">
-                <a:solidFill>
-                  <a:schemeClr val="tx1"/>
-                </a:solidFill>
-                <a:latin typeface="+mn-lt"/>
-                <a:ea typeface="+mn-ea"/>
-                <a:cs typeface="+mn-cs"/>
-              </a:defRPr>
-            </a:lvl5pPr>
-            <a:lvl6pPr marL="1714500" algn="l" defTabSz="685800" rtl="0" eaLnBrk="1" latinLnBrk="0" hangingPunct="1">
-              <a:defRPr kumimoji="1" sz="1350" kern="1200">
-                <a:solidFill>
-                  <a:schemeClr val="tx1"/>
-                </a:solidFill>
-                <a:latin typeface="+mn-lt"/>
-                <a:ea typeface="+mn-ea"/>
-                <a:cs typeface="+mn-cs"/>
-              </a:defRPr>
-            </a:lvl6pPr>
-            <a:lvl7pPr marL="2057400" algn="l" defTabSz="685800" rtl="0" eaLnBrk="1" latinLnBrk="0" hangingPunct="1">
-              <a:defRPr kumimoji="1" sz="1350" kern="1200">
-                <a:solidFill>
-                  <a:schemeClr val="tx1"/>
-                </a:solidFill>
-                <a:latin typeface="+mn-lt"/>
-                <a:ea typeface="+mn-ea"/>
-                <a:cs typeface="+mn-cs"/>
-              </a:defRPr>
-            </a:lvl7pPr>
-            <a:lvl8pPr marL="2400300" algn="l" defTabSz="685800" rtl="0" eaLnBrk="1" latinLnBrk="0" hangingPunct="1">
-              <a:defRPr kumimoji="1" sz="1350" kern="1200">
-                <a:solidFill>
-                  <a:schemeClr val="tx1"/>
-                </a:solidFill>
-                <a:latin typeface="+mn-lt"/>
-                <a:ea typeface="+mn-ea"/>
-                <a:cs typeface="+mn-cs"/>
-              </a:defRPr>
-            </a:lvl8pPr>
-            <a:lvl9pPr marL="2743200" algn="l" defTabSz="685800" rtl="0" eaLnBrk="1" latinLnBrk="0" hangingPunct="1">
-              <a:defRPr kumimoji="1" sz="1350" kern="1200">
-                <a:solidFill>
-                  <a:schemeClr val="tx1"/>
-                </a:solidFill>
-                <a:latin typeface="+mn-lt"/>
-                <a:ea typeface="+mn-ea"/>
-                <a:cs typeface="+mn-cs"/>
-              </a:defRPr>
-            </a:lvl9pPr>
-          </a:lstStyle>
-          <a:p>
-            <a:pPr fontAlgn="auto"/>
-            <a:fld id="{F8D8928E-AA9A-4D89-BC1F-A2C05AB4BD92}" type="slidenum">
-              <a:rPr kumimoji="1" lang="ja-JP" altLang="en-US" strike="noStrike" noProof="1" smtClean="0">
-                <a:latin typeface="Consolas" panose="020B0609020204030204" charset="0"/>
-                <a:ea typeface="Takaoゴシック" panose="020B0509000000000000" charset="-128"/>
-                <a:cs typeface="+mn-cs"/>
-              </a:rPr>
-            </a:fld>
-            <a:endParaRPr kumimoji="1" lang="ja-JP" altLang="en-US" strike="noStrike" noProof="1"/>
+            <a:endParaRPr kumimoji="1" lang="ja-JP" altLang="en-US" strike="noStrike" noProof="1" dirty="0"/>
           </a:p>
         </p:txBody>
       </p:sp>
@@ -1453,8 +1319,8 @@
         </p:nvSpPr>
         <p:spPr>
           <a:xfrm>
-            <a:off x="1692275" y="6516688"/>
-            <a:ext cx="8853488" cy="250825"/>
+            <a:off x="1619250" y="6516688"/>
+            <a:ext cx="8963025" cy="250825"/>
           </a:xfrm>
           <a:prstGeom prst="rect">
             <a:avLst/>
@@ -1471,32 +1337,32 @@
       </p:sp>
       <p:sp>
         <p:nvSpPr>
-          <p:cNvPr id="2" name="スライド番号プレースホルダ 1"/>
+          <p:cNvPr id="3" name="スライド番号プレースホルダ 2"/>
           <p:cNvSpPr>
             <a:spLocks noGrp="1"/>
           </p:cNvSpPr>
           <p:nvPr>
-            <p:ph type="sldNum" sz="quarter" idx="12"/>
+            <p:ph type="sldNum" sz="quarter" idx="25"/>
           </p:nvPr>
         </p:nvSpPr>
         <p:spPr>
           <a:xfrm>
-            <a:off x="11196638" y="144463"/>
-            <a:ext cx="892175" cy="579438"/>
+            <a:off x="10991850" y="252413"/>
+            <a:ext cx="984250" cy="639763"/>
           </a:xfrm>
           <a:prstGeom prst="rect">
             <a:avLst/>
           </a:prstGeom>
         </p:spPr>
         <p:txBody>
-          <a:bodyPr vert="horz" wrap="square" lIns="91440" tIns="45720" rIns="91440" bIns="45720" rtlCol="0" anchor="ctr">
+          <a:bodyPr vert="horz" wrap="square" lIns="91440" tIns="45720" rIns="91440" bIns="45720" rtlCol="0" anchor="t" anchorCtr="0">
             <a:spAutoFit/>
           </a:bodyPr>
           <a:p>
             <a:pPr fontAlgn="auto"/>
             <a:fld id="{F8D8928E-AA9A-4D89-BC1F-A2C05AB4BD92}" type="slidenum">
               <a:rPr kumimoji="1" lang="ja-JP" altLang="en-US" strike="noStrike" noProof="1" smtClean="0">
-                <a:latin typeface="Consolas" panose="020B0609020204030204" charset="0"/>
+                <a:latin typeface="Takaoゴシック" panose="020B0509000000000000" charset="-128"/>
                 <a:ea typeface="Takaoゴシック" panose="020B0509000000000000" charset="-128"/>
                 <a:cs typeface="+mn-cs"/>
               </a:rPr>
@@ -1516,15 +1382,7 @@
 
 <file path=ppt/slideLayouts/slideLayout6.xml><?xml version="1.0" encoding="utf-8"?>
 <p:sldLayout xmlns:a="http://schemas.openxmlformats.org/drawingml/2006/main" xmlns:r="http://schemas.openxmlformats.org/officeDocument/2006/relationships" xmlns:p="http://schemas.openxmlformats.org/presentationml/2006/main" preserve="1" userDrawn="1">
-  <p:cSld name="4_ユーザー設定レイアウト">
-    <p:bg>
-      <p:bgPr>
-        <a:solidFill>
-          <a:schemeClr val="bg1"/>
-        </a:solidFill>
-        <a:effectLst/>
-      </p:bgPr>
-    </p:bg>
+  <p:cSld name="11-SubTitle2">
     <p:spTree>
       <p:nvGrpSpPr>
         <p:cNvPr id="1" name=""/>
@@ -1539,280 +1397,98 @@
           <a:chExt cx="0" cy="0"/>
         </a:xfrm>
       </p:grpSpPr>
-      <p:cxnSp>
-        <p:nvCxnSpPr>
-          <p:cNvPr id="13" name="直線コネクタ 12"/>
-          <p:cNvCxnSpPr/>
-          <p:nvPr/>
-        </p:nvCxnSpPr>
-        <p:spPr>
-          <a:xfrm>
-            <a:off x="2478088" y="1992313"/>
-            <a:ext cx="7235825" cy="15875"/>
-          </a:xfrm>
-          <a:prstGeom prst="line">
-            <a:avLst/>
-          </a:prstGeom>
-          <a:ln w="76200">
+      <p:sp>
+        <p:nvSpPr>
+          <p:cNvPr id="7" name="角丸四角形 6"/>
+          <p:cNvSpPr/>
+          <p:nvPr/>
+        </p:nvSpPr>
+        <p:spPr>
+          <a:xfrm>
+            <a:off x="2419350" y="2016125"/>
+            <a:ext cx="7362825" cy="2805113"/>
+          </a:xfrm>
+          <a:prstGeom prst="roundRect">
+            <a:avLst>
+              <a:gd name="adj" fmla="val 13124"/>
+            </a:avLst>
+          </a:prstGeom>
+          <a:noFill/>
+          <a:ln w="127000" cmpd="thinThick">
             <a:solidFill>
               <a:schemeClr val="accent5"/>
             </a:solidFill>
+            <a:prstDash val="solid"/>
           </a:ln>
         </p:spPr>
-        <p:style>
-          <a:lnRef idx="1">
-            <a:schemeClr val="accent1"/>
-          </a:lnRef>
-          <a:fillRef idx="0">
-            <a:schemeClr val="accent1"/>
-          </a:fillRef>
-          <a:effectRef idx="0">
-            <a:schemeClr val="accent1"/>
-          </a:effectRef>
-          <a:fontRef idx="minor">
-            <a:schemeClr val="tx1"/>
-          </a:fontRef>
-        </p:style>
-      </p:cxnSp>
-      <p:cxnSp>
-        <p:nvCxnSpPr>
-          <p:cNvPr id="6" name="直線コネクタ 5"/>
-          <p:cNvCxnSpPr/>
-          <p:nvPr/>
-        </p:nvCxnSpPr>
-        <p:spPr>
-          <a:xfrm>
-            <a:off x="2474913" y="4838700"/>
-            <a:ext cx="7235825" cy="15875"/>
-          </a:xfrm>
-          <a:prstGeom prst="line">
-            <a:avLst/>
-          </a:prstGeom>
-          <a:ln w="76200">
-            <a:solidFill>
-              <a:schemeClr val="accent5"/>
-            </a:solidFill>
-          </a:ln>
-        </p:spPr>
-        <p:style>
-          <a:lnRef idx="1">
-            <a:schemeClr val="accent1"/>
-          </a:lnRef>
-          <a:fillRef idx="0">
-            <a:schemeClr val="accent1"/>
-          </a:fillRef>
-          <a:effectRef idx="0">
-            <a:schemeClr val="accent1"/>
-          </a:effectRef>
-          <a:fontRef idx="minor">
-            <a:schemeClr val="tx1"/>
-          </a:fontRef>
-        </p:style>
-      </p:cxnSp>
-      <p:sp>
-        <p:nvSpPr>
-          <p:cNvPr id="7" name="タイトル 1"/>
+        <p:txBody>
+          <a:bodyPr wrap="none" rtlCol="0" anchor="ctr" anchorCtr="0">
+            <a:noAutofit/>
+          </a:bodyPr>
+          <a:p>
+            <a:pPr algn="ctr" fontAlgn="auto"/>
+            <a:endParaRPr kumimoji="1" lang="ja-JP" altLang="en-US" sz="4000" b="1" strike="noStrike" noProof="1" dirty="0" smtClean="0">
+              <a:ln w="12700">
+                <a:solidFill>
+                  <a:schemeClr val="tx2">
+                    <a:lumMod val="75000"/>
+                  </a:schemeClr>
+                </a:solidFill>
+                <a:prstDash val="solid"/>
+              </a:ln>
+              <a:solidFill>
+                <a:schemeClr val="accent5"/>
+              </a:solidFill>
+              <a:effectLst>
+                <a:outerShdw blurRad="38100" dist="38100" dir="2700000" algn="tl">
+                  <a:srgbClr val="000000">
+                    <a:alpha val="43137"/>
+                  </a:srgbClr>
+                </a:outerShdw>
+              </a:effectLst>
+              <a:latin typeface="Takao Pゴシック" panose="020B0500000000000000" charset="-128"/>
+              <a:ea typeface="Takao Pゴシック" panose="020B0500000000000000" charset="-128"/>
+              <a:sym typeface="+mn-ea"/>
+            </a:endParaRPr>
+          </a:p>
+        </p:txBody>
+      </p:sp>
+      <p:sp>
+        <p:nvSpPr>
+          <p:cNvPr id="2" name="タイトル 1"/>
           <p:cNvSpPr>
             <a:spLocks noGrp="1"/>
           </p:cNvSpPr>
-          <p:nvPr/>
-        </p:nvSpPr>
-        <p:spPr>
-          <a:xfrm>
-            <a:off x="2484119" y="2171065"/>
-            <a:ext cx="7216775" cy="2476500"/>
-          </a:xfrm>
-          <a:prstGeom prst="rect">
-            <a:avLst/>
-          </a:prstGeom>
-          <a:noFill/>
-          <a:ln w="76200" cmpd="thickThin">
-            <a:noFill/>
-            <a:prstDash val="solid"/>
-            <a:miter/>
-          </a:ln>
-        </p:spPr>
-        <p:txBody>
-          <a:bodyPr lIns="91440" tIns="45720" rIns="91440" bIns="45720" anchor="ctr" anchorCtr="0">
-            <a:scene3d>
-              <a:camera prst="orthographicFront"/>
-              <a:lightRig rig="threePt" dir="t"/>
-            </a:scene3d>
+          <p:nvPr>
+            <p:ph type="title"/>
+          </p:nvPr>
+        </p:nvSpPr>
+        <p:spPr>
+          <a:xfrm>
+            <a:off x="2593975" y="2209165"/>
+            <a:ext cx="7023100" cy="2413635"/>
+          </a:xfrm>
+        </p:spPr>
+        <p:txBody>
+          <a:bodyPr wrap="none" anchor="ctr" anchorCtr="0">
+            <a:noAutofit/>
           </a:bodyPr>
           <a:lstStyle>
             <a:lvl1pPr algn="ctr">
-              <a:defRPr sz="4000" b="1">
+              <a:defRPr sz="4000">
                 <a:solidFill>
-                  <a:srgbClr val="0070C0"/>
+                  <a:schemeClr val="tx1"/>
                 </a:solidFill>
-                <a:effectLst>
-                  <a:outerShdw blurRad="38100" dist="38100" dir="2700000" algn="tl">
-                    <a:srgbClr val="000000">
-                      <a:alpha val="43137"/>
-                    </a:srgbClr>
-                  </a:outerShdw>
-                </a:effectLst>
-                <a:latin typeface="Meiryo UI" panose="020B0604030504040204" charset="-128"/>
-                <a:ea typeface="Meiryo UI" panose="020B0604030504040204" charset="-128"/>
               </a:defRPr>
             </a:lvl1pPr>
           </a:lstStyle>
           <a:p>
             <a:pPr fontAlgn="auto"/>
             <a:r>
-              <a:rPr kumimoji="1" lang="ja-JP" altLang="en-US" strike="noStrike" noProof="1" dirty="0" smtClean="0">
-                <a:latin typeface="Takao Pゴシック" panose="020B0500000000000000" charset="-128"/>
-                <a:ea typeface="Takao Pゴシック" panose="020B0500000000000000" charset="-128"/>
-                <a:cs typeface="+mn-ea"/>
-              </a:rPr>
+              <a:rPr kumimoji="1" lang="ja-JP" altLang="en-US" strike="noStrike" noProof="1" dirty="0" smtClean="0"/>
               <a:t>マスタ タイトルの書式設定</a:t>
             </a:r>
-            <a:endParaRPr kumimoji="1" lang="ja-JP" altLang="en-US" strike="noStrike" noProof="1" dirty="0" smtClean="0">
-              <a:latin typeface="Takao Pゴシック" panose="020B0500000000000000" charset="-128"/>
-              <a:ea typeface="Takao Pゴシック" panose="020B0500000000000000" charset="-128"/>
-              <a:cs typeface="+mn-ea"/>
-            </a:endParaRPr>
-          </a:p>
-        </p:txBody>
-      </p:sp>
-      <p:sp>
-        <p:nvSpPr>
-          <p:cNvPr id="5" name="スライド番号プレースホルダ 3"/>
-          <p:cNvSpPr>
-            <a:spLocks noGrp="1"/>
-          </p:cNvSpPr>
-          <p:nvPr/>
-        </p:nvSpPr>
-        <p:spPr>
-          <a:xfrm>
-            <a:off x="11196000" y="144000"/>
-            <a:ext cx="892175" cy="579120"/>
-          </a:xfrm>
-          <a:prstGeom prst="rect">
-            <a:avLst/>
-          </a:prstGeom>
-        </p:spPr>
-        <p:txBody>
-          <a:bodyPr vert="horz" wrap="square" lIns="91440" tIns="45720" rIns="91440" bIns="45720" rtlCol="0" anchor="ctr">
-            <a:spAutoFit/>
-          </a:bodyPr>
-          <a:lstStyle>
-            <a:defPPr>
-              <a:defRPr lang="ja-JP"/>
-            </a:defPPr>
-            <a:lvl1pPr marL="0" algn="r" defTabSz="685800" rtl="0" eaLnBrk="1" latinLnBrk="0" hangingPunct="1">
-              <a:defRPr kumimoji="1" sz="3200" b="1" kern="1200">
-                <a:solidFill>
-                  <a:schemeClr val="bg1"/>
-                </a:solidFill>
-                <a:effectLst>
-                  <a:glow rad="444500">
-                    <a:schemeClr val="accent5">
-                      <a:alpha val="40000"/>
-                    </a:schemeClr>
-                  </a:glow>
-                  <a:outerShdw blurRad="38100" dist="38100" dir="2700000" algn="tl">
-                    <a:srgbClr val="000000">
-                      <a:alpha val="43137"/>
-                    </a:srgbClr>
-                  </a:outerShdw>
-                </a:effectLst>
-                <a:latin typeface="Consolas" panose="020B0609020204030204" charset="0"/>
-                <a:ea typeface="Takaoゴシック" panose="020B0509000000000000" charset="-128"/>
-                <a:cs typeface="+mn-cs"/>
-              </a:defRPr>
-            </a:lvl1pPr>
-            <a:lvl2pPr marL="342900" algn="l" defTabSz="685800" rtl="0" eaLnBrk="1" latinLnBrk="0" hangingPunct="1">
-              <a:defRPr kumimoji="1" sz="1350" kern="1200">
-                <a:solidFill>
-                  <a:schemeClr val="tx1"/>
-                </a:solidFill>
-                <a:latin typeface="+mn-lt"/>
-                <a:ea typeface="+mn-ea"/>
-                <a:cs typeface="+mn-cs"/>
-              </a:defRPr>
-            </a:lvl2pPr>
-            <a:lvl3pPr marL="685800" algn="l" defTabSz="685800" rtl="0" eaLnBrk="1" latinLnBrk="0" hangingPunct="1">
-              <a:defRPr kumimoji="1" sz="1350" kern="1200">
-                <a:solidFill>
-                  <a:schemeClr val="tx1"/>
-                </a:solidFill>
-                <a:latin typeface="+mn-lt"/>
-                <a:ea typeface="+mn-ea"/>
-                <a:cs typeface="+mn-cs"/>
-              </a:defRPr>
-            </a:lvl3pPr>
-            <a:lvl4pPr marL="1028700" algn="l" defTabSz="685800" rtl="0" eaLnBrk="1" latinLnBrk="0" hangingPunct="1">
-              <a:defRPr kumimoji="1" sz="1350" kern="1200">
-                <a:solidFill>
-                  <a:schemeClr val="tx1"/>
-                </a:solidFill>
-                <a:latin typeface="+mn-lt"/>
-                <a:ea typeface="+mn-ea"/>
-                <a:cs typeface="+mn-cs"/>
-              </a:defRPr>
-            </a:lvl4pPr>
-            <a:lvl5pPr marL="1371600" algn="l" defTabSz="685800" rtl="0" eaLnBrk="1" latinLnBrk="0" hangingPunct="1">
-              <a:defRPr kumimoji="1" sz="1350" kern="1200">
-                <a:solidFill>
-                  <a:schemeClr val="tx1"/>
-                </a:solidFill>
-                <a:latin typeface="+mn-lt"/>
-                <a:ea typeface="+mn-ea"/>
-                <a:cs typeface="+mn-cs"/>
-              </a:defRPr>
-            </a:lvl5pPr>
-            <a:lvl6pPr marL="1714500" algn="l" defTabSz="685800" rtl="0" eaLnBrk="1" latinLnBrk="0" hangingPunct="1">
-              <a:defRPr kumimoji="1" sz="1350" kern="1200">
-                <a:solidFill>
-                  <a:schemeClr val="tx1"/>
-                </a:solidFill>
-                <a:latin typeface="+mn-lt"/>
-                <a:ea typeface="+mn-ea"/>
-                <a:cs typeface="+mn-cs"/>
-              </a:defRPr>
-            </a:lvl6pPr>
-            <a:lvl7pPr marL="2057400" algn="l" defTabSz="685800" rtl="0" eaLnBrk="1" latinLnBrk="0" hangingPunct="1">
-              <a:defRPr kumimoji="1" sz="1350" kern="1200">
-                <a:solidFill>
-                  <a:schemeClr val="tx1"/>
-                </a:solidFill>
-                <a:latin typeface="+mn-lt"/>
-                <a:ea typeface="+mn-ea"/>
-                <a:cs typeface="+mn-cs"/>
-              </a:defRPr>
-            </a:lvl7pPr>
-            <a:lvl8pPr marL="2400300" algn="l" defTabSz="685800" rtl="0" eaLnBrk="1" latinLnBrk="0" hangingPunct="1">
-              <a:defRPr kumimoji="1" sz="1350" kern="1200">
-                <a:solidFill>
-                  <a:schemeClr val="tx1"/>
-                </a:solidFill>
-                <a:latin typeface="+mn-lt"/>
-                <a:ea typeface="+mn-ea"/>
-                <a:cs typeface="+mn-cs"/>
-              </a:defRPr>
-            </a:lvl8pPr>
-            <a:lvl9pPr marL="2743200" algn="l" defTabSz="685800" rtl="0" eaLnBrk="1" latinLnBrk="0" hangingPunct="1">
-              <a:defRPr kumimoji="1" sz="1350" kern="1200">
-                <a:solidFill>
-                  <a:schemeClr val="tx1"/>
-                </a:solidFill>
-                <a:latin typeface="+mn-lt"/>
-                <a:ea typeface="+mn-ea"/>
-                <a:cs typeface="+mn-cs"/>
-              </a:defRPr>
-            </a:lvl9pPr>
-          </a:lstStyle>
-          <a:p>
-            <a:pPr fontAlgn="auto"/>
-            <a:fld id="{F8D8928E-AA9A-4D89-BC1F-A2C05AB4BD92}" type="slidenum">
-              <a:rPr kumimoji="1" lang="ja-JP" altLang="en-US" strike="noStrike" noProof="1" smtClean="0">
-                <a:latin typeface="Consolas" panose="020B0609020204030204" charset="0"/>
-                <a:ea typeface="Takaoゴシック" panose="020B0509000000000000" charset="-128"/>
-                <a:cs typeface="+mn-cs"/>
-              </a:rPr>
-            </a:fld>
-            <a:endParaRPr kumimoji="1" lang="ja-JP" altLang="en-US" strike="noStrike" noProof="1"/>
+            <a:endParaRPr kumimoji="1" lang="ja-JP" altLang="en-US" strike="noStrike" noProof="1" dirty="0"/>
           </a:p>
         </p:txBody>
       </p:sp>
@@ -1828,8 +1504,8 @@
         </p:nvSpPr>
         <p:spPr>
           <a:xfrm>
-            <a:off x="1692275" y="6516688"/>
-            <a:ext cx="8853488" cy="250825"/>
+            <a:off x="1619250" y="6516688"/>
+            <a:ext cx="8963025" cy="250825"/>
           </a:xfrm>
           <a:prstGeom prst="rect">
             <a:avLst/>
@@ -1846,32 +1522,32 @@
       </p:sp>
       <p:sp>
         <p:nvSpPr>
-          <p:cNvPr id="2" name="スライド番号プレースホルダ 1"/>
+          <p:cNvPr id="3" name="スライド番号プレースホルダ 2"/>
           <p:cNvSpPr>
             <a:spLocks noGrp="1"/>
           </p:cNvSpPr>
           <p:nvPr>
-            <p:ph type="sldNum" sz="quarter" idx="12"/>
+            <p:ph type="sldNum" sz="quarter" idx="25"/>
           </p:nvPr>
         </p:nvSpPr>
         <p:spPr>
           <a:xfrm>
-            <a:off x="11196638" y="144463"/>
-            <a:ext cx="892175" cy="579438"/>
+            <a:off x="10991850" y="252413"/>
+            <a:ext cx="984250" cy="639763"/>
           </a:xfrm>
           <a:prstGeom prst="rect">
             <a:avLst/>
           </a:prstGeom>
         </p:spPr>
         <p:txBody>
-          <a:bodyPr vert="horz" wrap="square" lIns="91440" tIns="45720" rIns="91440" bIns="45720" rtlCol="0" anchor="ctr">
+          <a:bodyPr vert="horz" wrap="square" lIns="91440" tIns="45720" rIns="91440" bIns="45720" rtlCol="0" anchor="t" anchorCtr="0">
             <a:spAutoFit/>
           </a:bodyPr>
           <a:p>
             <a:pPr fontAlgn="auto"/>
             <a:fld id="{F8D8928E-AA9A-4D89-BC1F-A2C05AB4BD92}" type="slidenum">
               <a:rPr kumimoji="1" lang="ja-JP" altLang="en-US" strike="noStrike" noProof="1" smtClean="0">
-                <a:latin typeface="Consolas" panose="020B0609020204030204" charset="0"/>
+                <a:latin typeface="Takaoゴシック" panose="020B0509000000000000" charset="-128"/>
                 <a:ea typeface="Takaoゴシック" panose="020B0509000000000000" charset="-128"/>
                 <a:cs typeface="+mn-cs"/>
               </a:rPr>
@@ -1891,15 +1567,7 @@
 
 <file path=ppt/slideLayouts/slideLayout7.xml><?xml version="1.0" encoding="utf-8"?>
 <p:sldLayout xmlns:a="http://schemas.openxmlformats.org/drawingml/2006/main" xmlns:r="http://schemas.openxmlformats.org/officeDocument/2006/relationships" xmlns:p="http://schemas.openxmlformats.org/presentationml/2006/main" preserve="1" userDrawn="1">
-  <p:cSld name="5_ユーザー設定レイアウト">
-    <p:bg>
-      <p:bgPr>
-        <a:solidFill>
-          <a:schemeClr val="bg1"/>
-        </a:solidFill>
-        <a:effectLst/>
-      </p:bgPr>
-    </p:bg>
+  <p:cSld name="99-End&#13;">
     <p:spTree>
       <p:nvGrpSpPr>
         <p:cNvPr id="1" name=""/>
@@ -1922,8 +1590,8 @@
         </p:nvSpPr>
         <p:spPr>
           <a:xfrm>
-            <a:off x="2144394" y="1233170"/>
-            <a:ext cx="7590156" cy="4662170"/>
+            <a:off x="2824794" y="2240356"/>
+            <a:ext cx="6552565" cy="2377440"/>
           </a:xfrm>
           <a:prstGeom prst="rect">
             <a:avLst/>
@@ -1934,13 +1602,13 @@
           </a:ln>
         </p:spPr>
         <p:txBody>
-          <a:bodyPr wrap="square" rtlCol="0" anchor="t">
+          <a:bodyPr wrap="none" rtlCol="0" anchor="t">
             <a:spAutoFit/>
           </a:bodyPr>
           <a:p>
             <a:pPr algn="ctr" fontAlgn="auto"/>
             <a:r>
-              <a:rPr lang="en-US" altLang="ja-JP" sz="25600" b="1" strike="noStrike" noProof="1">
+              <a:rPr lang="en-US" altLang="ja-JP" sz="15000" b="1" strike="noStrike" noProof="1">
                 <a:ln w="12700">
                   <a:solidFill>
                     <a:schemeClr val="accent1"/>
@@ -1948,22 +1616,20 @@
                   <a:prstDash val="solid"/>
                 </a:ln>
                 <a:solidFill>
-                  <a:schemeClr val="accent1">
-                    <a:lumMod val="75000"/>
-                  </a:schemeClr>
+                  <a:schemeClr val="accent5"/>
                 </a:solidFill>
                 <a:effectLst>
                   <a:outerShdw dist="38100" dir="2640000" algn="bl" rotWithShape="0">
                     <a:schemeClr val="accent1"/>
                   </a:outerShdw>
                 </a:effectLst>
-                <a:latin typeface="MV Boli" panose="02000500030200090000" charset="0"/>
-                <a:ea typeface="TT-ハルクラフト Heavy" charset="-128"/>
+                <a:latin typeface="Takao Pゴシック" panose="020B0500000000000000" charset="-128"/>
+                <a:ea typeface="Takao Pゴシック" panose="020B0500000000000000" charset="-128"/>
                 <a:cs typeface="+mn-cs"/>
               </a:rPr>
-              <a:t>End</a:t>
-            </a:r>
-            <a:endParaRPr lang="en-US" altLang="ja-JP" sz="25600" b="1" strike="noStrike" noProof="1">
+              <a:t>Thanks</a:t>
+            </a:r>
+            <a:endParaRPr lang="en-US" altLang="ja-JP" sz="15000" b="1" strike="noStrike" noProof="1">
               <a:ln w="12700">
                 <a:solidFill>
                   <a:schemeClr val="accent1"/>
@@ -1971,160 +1637,17 @@
                 <a:prstDash val="solid"/>
               </a:ln>
               <a:solidFill>
-                <a:schemeClr val="accent1">
-                  <a:lumMod val="75000"/>
-                </a:schemeClr>
+                <a:schemeClr val="accent5"/>
               </a:solidFill>
               <a:effectLst>
                 <a:outerShdw dist="38100" dir="2640000" algn="bl" rotWithShape="0">
                   <a:schemeClr val="accent1"/>
                 </a:outerShdw>
               </a:effectLst>
-              <a:latin typeface="MV Boli" panose="02000500030200090000" charset="0"/>
-              <a:ea typeface="TT-ハルクラフト Heavy" charset="-128"/>
+              <a:latin typeface="Takao Pゴシック" panose="020B0500000000000000" charset="-128"/>
+              <a:ea typeface="Takao Pゴシック" panose="020B0500000000000000" charset="-128"/>
               <a:cs typeface="+mn-cs"/>
             </a:endParaRPr>
-          </a:p>
-        </p:txBody>
-      </p:sp>
-      <p:sp>
-        <p:nvSpPr>
-          <p:cNvPr id="7" name="スライド番号プレースホルダ 3"/>
-          <p:cNvSpPr>
-            <a:spLocks noGrp="1"/>
-          </p:cNvSpPr>
-          <p:nvPr/>
-        </p:nvSpPr>
-        <p:spPr>
-          <a:xfrm>
-            <a:off x="11196000" y="144000"/>
-            <a:ext cx="892175" cy="579120"/>
-          </a:xfrm>
-          <a:prstGeom prst="rect">
-            <a:avLst/>
-          </a:prstGeom>
-        </p:spPr>
-        <p:txBody>
-          <a:bodyPr vert="horz" wrap="square" lIns="91440" tIns="45720" rIns="91440" bIns="45720" rtlCol="0" anchor="ctr">
-            <a:spAutoFit/>
-          </a:bodyPr>
-          <a:lstStyle>
-            <a:defPPr>
-              <a:defRPr lang="ja-JP"/>
-            </a:defPPr>
-            <a:lvl1pPr marL="0" algn="r" defTabSz="685800" rtl="0" eaLnBrk="1" latinLnBrk="0" hangingPunct="1">
-              <a:defRPr kumimoji="1" sz="3200" b="1" kern="1200">
-                <a:solidFill>
-                  <a:schemeClr val="bg1"/>
-                </a:solidFill>
-                <a:effectLst>
-                  <a:glow rad="444500">
-                    <a:schemeClr val="accent5">
-                      <a:alpha val="40000"/>
-                    </a:schemeClr>
-                  </a:glow>
-                  <a:outerShdw blurRad="38100" dist="38100" dir="2700000" algn="tl">
-                    <a:srgbClr val="000000">
-                      <a:alpha val="43137"/>
-                    </a:srgbClr>
-                  </a:outerShdw>
-                </a:effectLst>
-                <a:latin typeface="Consolas" panose="020B0609020204030204" charset="0"/>
-                <a:ea typeface="Takaoゴシック" panose="020B0509000000000000" charset="-128"/>
-                <a:cs typeface="+mn-cs"/>
-              </a:defRPr>
-            </a:lvl1pPr>
-            <a:lvl2pPr marL="342900" algn="l" defTabSz="685800" rtl="0" eaLnBrk="1" latinLnBrk="0" hangingPunct="1">
-              <a:defRPr kumimoji="1" sz="1350" kern="1200">
-                <a:solidFill>
-                  <a:schemeClr val="tx1"/>
-                </a:solidFill>
-                <a:latin typeface="+mn-lt"/>
-                <a:ea typeface="+mn-ea"/>
-                <a:cs typeface="+mn-cs"/>
-              </a:defRPr>
-            </a:lvl2pPr>
-            <a:lvl3pPr marL="685800" algn="l" defTabSz="685800" rtl="0" eaLnBrk="1" latinLnBrk="0" hangingPunct="1">
-              <a:defRPr kumimoji="1" sz="1350" kern="1200">
-                <a:solidFill>
-                  <a:schemeClr val="tx1"/>
-                </a:solidFill>
-                <a:latin typeface="+mn-lt"/>
-                <a:ea typeface="+mn-ea"/>
-                <a:cs typeface="+mn-cs"/>
-              </a:defRPr>
-            </a:lvl3pPr>
-            <a:lvl4pPr marL="1028700" algn="l" defTabSz="685800" rtl="0" eaLnBrk="1" latinLnBrk="0" hangingPunct="1">
-              <a:defRPr kumimoji="1" sz="1350" kern="1200">
-                <a:solidFill>
-                  <a:schemeClr val="tx1"/>
-                </a:solidFill>
-                <a:latin typeface="+mn-lt"/>
-                <a:ea typeface="+mn-ea"/>
-                <a:cs typeface="+mn-cs"/>
-              </a:defRPr>
-            </a:lvl4pPr>
-            <a:lvl5pPr marL="1371600" algn="l" defTabSz="685800" rtl="0" eaLnBrk="1" latinLnBrk="0" hangingPunct="1">
-              <a:defRPr kumimoji="1" sz="1350" kern="1200">
-                <a:solidFill>
-                  <a:schemeClr val="tx1"/>
-                </a:solidFill>
-                <a:latin typeface="+mn-lt"/>
-                <a:ea typeface="+mn-ea"/>
-                <a:cs typeface="+mn-cs"/>
-              </a:defRPr>
-            </a:lvl5pPr>
-            <a:lvl6pPr marL="1714500" algn="l" defTabSz="685800" rtl="0" eaLnBrk="1" latinLnBrk="0" hangingPunct="1">
-              <a:defRPr kumimoji="1" sz="1350" kern="1200">
-                <a:solidFill>
-                  <a:schemeClr val="tx1"/>
-                </a:solidFill>
-                <a:latin typeface="+mn-lt"/>
-                <a:ea typeface="+mn-ea"/>
-                <a:cs typeface="+mn-cs"/>
-              </a:defRPr>
-            </a:lvl6pPr>
-            <a:lvl7pPr marL="2057400" algn="l" defTabSz="685800" rtl="0" eaLnBrk="1" latinLnBrk="0" hangingPunct="1">
-              <a:defRPr kumimoji="1" sz="1350" kern="1200">
-                <a:solidFill>
-                  <a:schemeClr val="tx1"/>
-                </a:solidFill>
-                <a:latin typeface="+mn-lt"/>
-                <a:ea typeface="+mn-ea"/>
-                <a:cs typeface="+mn-cs"/>
-              </a:defRPr>
-            </a:lvl7pPr>
-            <a:lvl8pPr marL="2400300" algn="l" defTabSz="685800" rtl="0" eaLnBrk="1" latinLnBrk="0" hangingPunct="1">
-              <a:defRPr kumimoji="1" sz="1350" kern="1200">
-                <a:solidFill>
-                  <a:schemeClr val="tx1"/>
-                </a:solidFill>
-                <a:latin typeface="+mn-lt"/>
-                <a:ea typeface="+mn-ea"/>
-                <a:cs typeface="+mn-cs"/>
-              </a:defRPr>
-            </a:lvl8pPr>
-            <a:lvl9pPr marL="2743200" algn="l" defTabSz="685800" rtl="0" eaLnBrk="1" latinLnBrk="0" hangingPunct="1">
-              <a:defRPr kumimoji="1" sz="1350" kern="1200">
-                <a:solidFill>
-                  <a:schemeClr val="tx1"/>
-                </a:solidFill>
-                <a:latin typeface="+mn-lt"/>
-                <a:ea typeface="+mn-ea"/>
-                <a:cs typeface="+mn-cs"/>
-              </a:defRPr>
-            </a:lvl9pPr>
-          </a:lstStyle>
-          <a:p>
-            <a:pPr fontAlgn="auto"/>
-            <a:fld id="{F8D8928E-AA9A-4D89-BC1F-A2C05AB4BD92}" type="slidenum">
-              <a:rPr kumimoji="1" lang="ja-JP" altLang="en-US" strike="noStrike" noProof="1" smtClean="0">
-                <a:latin typeface="Consolas" panose="020B0609020204030204" charset="0"/>
-                <a:ea typeface="Takaoゴシック" panose="020B0509000000000000" charset="-128"/>
-                <a:cs typeface="+mn-cs"/>
-              </a:rPr>
-            </a:fld>
-            <a:endParaRPr kumimoji="1" lang="ja-JP" altLang="en-US" strike="noStrike" noProof="1"/>
           </a:p>
         </p:txBody>
       </p:sp>
@@ -2140,8 +1663,8 @@
         </p:nvSpPr>
         <p:spPr>
           <a:xfrm>
-            <a:off x="1692275" y="6516688"/>
-            <a:ext cx="8853488" cy="250825"/>
+            <a:off x="1619250" y="6516688"/>
+            <a:ext cx="8963025" cy="250825"/>
           </a:xfrm>
           <a:prstGeom prst="rect">
             <a:avLst/>
@@ -2158,25 +1681,25 @@
       </p:sp>
       <p:sp>
         <p:nvSpPr>
-          <p:cNvPr id="2" name="スライド番号プレースホルダ 1"/>
+          <p:cNvPr id="3" name="スライド番号プレースホルダ 2"/>
           <p:cNvSpPr>
             <a:spLocks noGrp="1"/>
           </p:cNvSpPr>
           <p:nvPr>
-            <p:ph type="sldNum" sz="quarter" idx="12"/>
+            <p:ph type="sldNum" sz="quarter" idx="25"/>
           </p:nvPr>
         </p:nvSpPr>
         <p:spPr>
           <a:xfrm>
-            <a:off x="11196638" y="144463"/>
-            <a:ext cx="892175" cy="579438"/>
+            <a:off x="10991850" y="252413"/>
+            <a:ext cx="984250" cy="639763"/>
           </a:xfrm>
           <a:prstGeom prst="rect">
             <a:avLst/>
           </a:prstGeom>
         </p:spPr>
         <p:txBody>
-          <a:bodyPr vert="horz" wrap="square" lIns="91440" tIns="45720" rIns="91440" bIns="45720" rtlCol="0" anchor="ctr">
+          <a:bodyPr vert="horz" wrap="square" lIns="91440" tIns="45720" rIns="91440" bIns="45720" rtlCol="0" anchor="t" anchorCtr="0">
             <a:spAutoFit/>
           </a:bodyPr>
           <a:p>
@@ -2205,12 +1728,9 @@
 <p:sldMaster xmlns:a="http://schemas.openxmlformats.org/drawingml/2006/main" xmlns:r="http://schemas.openxmlformats.org/officeDocument/2006/relationships" xmlns:p="http://schemas.openxmlformats.org/presentationml/2006/main" preserve="1">
   <p:cSld>
     <p:bg>
-      <p:bgPr>
-        <a:solidFill>
-          <a:schemeClr val="bg1"/>
-        </a:solidFill>
-        <a:effectLst/>
-      </p:bgPr>
+      <p:bgRef idx="1001">
+        <a:schemeClr val="bg1"/>
+      </p:bgRef>
     </p:bg>
     <p:spTree>
       <p:nvGrpSpPr>
@@ -2221,24 +1741,34 @@
       <p:grpSpPr/>
       <p:cxnSp>
         <p:nvCxnSpPr>
-          <p:cNvPr id="8" name="直線コネクタ 7"/>
+          <p:cNvPr id="10" name="直線コネクタ 9"/>
           <p:cNvCxnSpPr/>
           <p:nvPr/>
         </p:nvCxnSpPr>
         <p:spPr>
           <a:xfrm>
-            <a:off x="0" y="720725"/>
-            <a:ext cx="12204700" cy="12700"/>
+            <a:off x="36000" y="6356350"/>
+            <a:ext cx="12132000" cy="0"/>
           </a:xfrm>
           <a:prstGeom prst="line">
             <a:avLst/>
           </a:prstGeom>
-          <a:ln w="101600" cap="flat" cmpd="thickThin">
-            <a:solidFill>
-              <a:schemeClr val="accent5">
-                <a:alpha val="80000"/>
-              </a:schemeClr>
-            </a:solidFill>
+          <a:ln w="101600" cap="flat" cmpd="sng">
+            <a:gradFill>
+              <a:gsLst>
+                <a:gs pos="0">
+                  <a:schemeClr val="accent5">
+                    <a:lumMod val="20000"/>
+                    <a:lumOff val="80000"/>
+                  </a:schemeClr>
+                </a:gs>
+                <a:gs pos="100000">
+                  <a:schemeClr val="accent5"/>
+                </a:gs>
+              </a:gsLst>
+              <a:lin ang="5400000" scaled="1"/>
+            </a:gradFill>
+            <a:prstDash val="solid"/>
           </a:ln>
         </p:spPr>
         <p:style>
@@ -2256,46 +1786,63 @@
           </a:fontRef>
         </p:style>
       </p:cxnSp>
-      <p:cxnSp>
-        <p:nvCxnSpPr>
-          <p:cNvPr id="5" name="直線コネクタ 4"/>
-          <p:cNvCxnSpPr/>
-          <p:nvPr/>
-        </p:nvCxnSpPr>
-        <p:spPr>
-          <a:xfrm>
-            <a:off x="0" y="6408738"/>
-            <a:ext cx="12204700" cy="12700"/>
-          </a:xfrm>
-          <a:prstGeom prst="line">
-            <a:avLst/>
-          </a:prstGeom>
-          <a:ln w="101600" cap="flat" cmpd="thinThick">
-            <a:solidFill>
-              <a:schemeClr val="accent5">
-                <a:alpha val="80000"/>
-              </a:schemeClr>
-            </a:solidFill>
-          </a:ln>
-        </p:spPr>
-        <p:style>
-          <a:lnRef idx="1">
-            <a:schemeClr val="accent1"/>
-          </a:lnRef>
-          <a:fillRef idx="0">
-            <a:schemeClr val="accent1"/>
-          </a:fillRef>
-          <a:effectRef idx="0">
-            <a:schemeClr val="accent1"/>
-          </a:effectRef>
-          <a:fontRef idx="minor">
-            <a:schemeClr val="tx1"/>
-          </a:fontRef>
-        </p:style>
-      </p:cxnSp>
-      <p:sp>
-        <p:nvSpPr>
-          <p:cNvPr id="7" name="フッター プレースホルダー 4"/>
+      <p:sp>
+        <p:nvSpPr>
+          <p:cNvPr id="11" name="スライド番号プレースホルダー 5"/>
+          <p:cNvSpPr>
+            <a:spLocks noGrp="1"/>
+          </p:cNvSpPr>
+          <p:nvPr>
+            <p:ph type="sldNum" sz="quarter" idx="4"/>
+          </p:nvPr>
+        </p:nvSpPr>
+        <p:spPr>
+          <a:xfrm>
+            <a:off x="10991850" y="252413"/>
+            <a:ext cx="984250" cy="639763"/>
+          </a:xfrm>
+          <a:prstGeom prst="rect">
+            <a:avLst/>
+          </a:prstGeom>
+        </p:spPr>
+        <p:txBody>
+          <a:bodyPr vert="horz" wrap="square" lIns="91440" tIns="45720" rIns="91440" bIns="45720" rtlCol="0" anchor="t" anchorCtr="0">
+            <a:spAutoFit/>
+          </a:bodyPr>
+          <a:lstStyle>
+            <a:lvl1pPr algn="r">
+              <a:defRPr sz="3600" b="1" i="0" baseline="0">
+                <a:solidFill>
+                  <a:schemeClr val="bg1"/>
+                </a:solidFill>
+                <a:effectLst>
+                  <a:glow rad="317500">
+                    <a:schemeClr val="accent5">
+                      <a:alpha val="55000"/>
+                    </a:schemeClr>
+                  </a:glow>
+                  <a:outerShdw blurRad="50800" dist="50800" algn="ctr" rotWithShape="0">
+                    <a:srgbClr val="000000">
+                      <a:alpha val="43000"/>
+                    </a:srgbClr>
+                  </a:outerShdw>
+                </a:effectLst>
+                <a:latin typeface="Takaoゴシック" panose="020B0509000000000000" charset="-128"/>
+                <a:ea typeface="Takaoゴシック" panose="020B0509000000000000" charset="-128"/>
+              </a:defRPr>
+            </a:lvl1pPr>
+          </a:lstStyle>
+          <a:p>
+            <a:fld id="{F8D8928E-AA9A-4D89-BC1F-A2C05AB4BD92}" type="slidenum">
+              <a:rPr kumimoji="1" lang="ja-JP" altLang="en-US" smtClean="0"/>
+            </a:fld>
+            <a:endParaRPr kumimoji="1" lang="ja-JP" altLang="en-US"/>
+          </a:p>
+        </p:txBody>
+      </p:sp>
+      <p:sp>
+        <p:nvSpPr>
+          <p:cNvPr id="12" name="フッター プレースホルダー 4"/>
           <p:cNvSpPr>
             <a:spLocks noGrp="1"/>
           </p:cNvSpPr>
@@ -2305,8 +1852,8 @@
         </p:nvSpPr>
         <p:spPr>
           <a:xfrm>
-            <a:off x="1692275" y="6516688"/>
-            <a:ext cx="8853488" cy="250825"/>
+            <a:off x="1619250" y="6516688"/>
+            <a:ext cx="8963025" cy="250825"/>
           </a:xfrm>
           <a:prstGeom prst="rect">
             <a:avLst/>
@@ -2316,7 +1863,7 @@
           <a:bodyPr vert="horz" lIns="91440" tIns="45720" rIns="91440" bIns="45720" rtlCol="0" anchor="ctr"/>
           <a:lstStyle>
             <a:lvl1pPr algn="ctr">
-              <a:defRPr sz="1800">
+              <a:defRPr sz="2000">
                 <a:solidFill>
                   <a:schemeClr val="bg1">
                     <a:lumMod val="50000"/>
@@ -2332,63 +1879,56 @@
           </a:p>
         </p:txBody>
       </p:sp>
-      <p:sp>
-        <p:nvSpPr>
-          <p:cNvPr id="11" name="スライド番号プレースホルダー 5"/>
-          <p:cNvSpPr>
-            <a:spLocks noGrp="1"/>
-          </p:cNvSpPr>
-          <p:nvPr>
-            <p:ph type="sldNum" sz="quarter" idx="4"/>
-          </p:nvPr>
-        </p:nvSpPr>
-        <p:spPr>
-          <a:xfrm>
-            <a:off x="11196638" y="144463"/>
-            <a:ext cx="892175" cy="579438"/>
-          </a:xfrm>
-          <a:prstGeom prst="rect">
-            <a:avLst/>
-          </a:prstGeom>
-        </p:spPr>
-        <p:txBody>
-          <a:bodyPr vert="horz" wrap="square" lIns="91440" tIns="45720" rIns="91440" bIns="45720" rtlCol="0" anchor="ctr">
-            <a:spAutoFit/>
-          </a:bodyPr>
-          <a:lstStyle>
-            <a:lvl1pPr algn="r">
-              <a:defRPr sz="3200" b="1">
-                <a:solidFill>
-                  <a:schemeClr val="bg1"/>
-                </a:solidFill>
-                <a:effectLst>
-                  <a:glow rad="444500">
-                    <a:schemeClr val="accent5">
-                      <a:alpha val="40000"/>
-                    </a:schemeClr>
-                  </a:glow>
-                  <a:outerShdw blurRad="38100" dist="38100" dir="2700000" algn="tl">
-                    <a:srgbClr val="000000">
-                      <a:alpha val="43137"/>
-                    </a:srgbClr>
-                  </a:outerShdw>
-                </a:effectLst>
-                <a:latin typeface="Consolas" panose="020B0609020204030204" charset="0"/>
-                <a:ea typeface="Takaoゴシック" panose="020B0509000000000000" charset="-128"/>
-              </a:defRPr>
-            </a:lvl1pPr>
-          </a:lstStyle>
-          <a:p>
-            <a:fld id="{F8D8928E-AA9A-4D89-BC1F-A2C05AB4BD92}" type="slidenum">
-              <a:rPr kumimoji="1" lang="ja-JP" altLang="en-US" smtClean="0"/>
-            </a:fld>
-            <a:endParaRPr kumimoji="1" lang="ja-JP" altLang="en-US"/>
-          </a:p>
-        </p:txBody>
-      </p:sp>
-      <p:sp>
-        <p:nvSpPr>
-          <p:cNvPr id="3" name="タイトル 2"/>
+      <p:cxnSp>
+        <p:nvCxnSpPr>
+          <p:cNvPr id="7" name="直線コネクタ 6"/>
+          <p:cNvCxnSpPr/>
+          <p:nvPr/>
+        </p:nvCxnSpPr>
+        <p:spPr>
+          <a:xfrm>
+            <a:off x="36000" y="885825"/>
+            <a:ext cx="12132000" cy="0"/>
+          </a:xfrm>
+          <a:prstGeom prst="line">
+            <a:avLst/>
+          </a:prstGeom>
+          <a:ln w="101600" cap="flat" cmpd="sng">
+            <a:gradFill>
+              <a:gsLst>
+                <a:gs pos="0">
+                  <a:schemeClr val="accent5">
+                    <a:lumMod val="20000"/>
+                    <a:lumOff val="80000"/>
+                  </a:schemeClr>
+                </a:gs>
+                <a:gs pos="100000">
+                  <a:schemeClr val="accent5"/>
+                </a:gs>
+              </a:gsLst>
+              <a:lin ang="16200000" scaled="1"/>
+            </a:gradFill>
+            <a:prstDash val="solid"/>
+          </a:ln>
+        </p:spPr>
+        <p:style>
+          <a:lnRef idx="1">
+            <a:schemeClr val="accent1"/>
+          </a:lnRef>
+          <a:fillRef idx="0">
+            <a:schemeClr val="accent1"/>
+          </a:fillRef>
+          <a:effectRef idx="0">
+            <a:schemeClr val="accent1"/>
+          </a:effectRef>
+          <a:fontRef idx="minor">
+            <a:schemeClr val="tx1"/>
+          </a:fontRef>
+        </p:style>
+      </p:cxnSp>
+      <p:sp>
+        <p:nvSpPr>
+          <p:cNvPr id="2" name="タイトル 1"/>
           <p:cNvSpPr>
             <a:spLocks noGrp="1"/>
           </p:cNvSpPr>
@@ -2398,12 +1938,17 @@
         </p:nvSpPr>
         <p:spPr>
           <a:xfrm>
-            <a:off x="900113" y="144463"/>
-            <a:ext cx="9923463" cy="492125"/>
+            <a:off x="828675" y="179388"/>
+            <a:ext cx="9921875" cy="669925"/>
           </a:xfrm>
         </p:spPr>
         <p:txBody>
           <a:bodyPr/>
+          <a:lstStyle>
+            <a:lvl1pPr>
+              <a:defRPr sz="4000"/>
+            </a:lvl1pPr>
+          </a:lstStyle>
           <a:p>
             <a:pPr fontAlgn="auto"/>
             <a:r>
@@ -2429,7 +1974,7 @@
   <p:hf sldNum="0" hdr="0" ftr="0" dt="0"/>
   <p:txStyles>
     <p:titleStyle>
-      <a:lvl1pPr algn="l" defTabSz="685800" rtl="0" eaLnBrk="1" latinLnBrk="0" hangingPunct="1">
+      <a:lvl1pPr algn="l" defTabSz="914400" rtl="0" eaLnBrk="1" latinLnBrk="0" hangingPunct="1">
         <a:lnSpc>
           <a:spcPct val="90000"/>
         </a:lnSpc>
@@ -2437,9 +1982,9 @@
           <a:spcPct val="0"/>
         </a:spcBef>
         <a:buNone/>
-        <a:defRPr kumimoji="1" sz="3200" b="1" kern="1200">
+        <a:defRPr kumimoji="1" sz="4400" b="1" kern="1200">
           <a:solidFill>
-            <a:schemeClr val="accent5"/>
+            <a:schemeClr val="tx1"/>
           </a:solidFill>
           <a:effectLst>
             <a:outerShdw blurRad="38100" dist="38100" dir="2700000" algn="tl">
@@ -2455,16 +2000,16 @@
       </a:lvl1pPr>
     </p:titleStyle>
     <p:bodyStyle>
-      <a:lvl1pPr marL="171450" indent="-170815" algn="l" defTabSz="685800" rtl="0" eaLnBrk="1" latinLnBrk="0" hangingPunct="1">
+      <a:lvl1pPr marL="228600" indent="-228600" algn="l" defTabSz="914400" rtl="0" eaLnBrk="1" latinLnBrk="0" hangingPunct="1">
         <a:lnSpc>
           <a:spcPct val="90000"/>
         </a:lnSpc>
         <a:spcBef>
-          <a:spcPts val="750"/>
+          <a:spcPts val="1000"/>
         </a:spcBef>
         <a:buFont typeface="Arial" panose="020B0604020202020204" pitchFamily="34" charset="0"/>
         <a:buChar char="•"/>
-        <a:defRPr kumimoji="1" sz="2100" kern="1200">
+        <a:defRPr kumimoji="1" sz="2800" kern="1200">
           <a:solidFill>
             <a:schemeClr val="tx1"/>
           </a:solidFill>
@@ -2473,12 +2018,48 @@
           <a:cs typeface="+mn-cs"/>
         </a:defRPr>
       </a:lvl1pPr>
-      <a:lvl2pPr marL="514350" indent="-170815" algn="l" defTabSz="685800" rtl="0" eaLnBrk="1" latinLnBrk="0" hangingPunct="1">
+      <a:lvl2pPr marL="685800" indent="-228600" algn="l" defTabSz="914400" rtl="0" eaLnBrk="1" latinLnBrk="0" hangingPunct="1">
         <a:lnSpc>
           <a:spcPct val="90000"/>
         </a:lnSpc>
         <a:spcBef>
-          <a:spcPts val="375"/>
+          <a:spcPts val="500"/>
+        </a:spcBef>
+        <a:buFont typeface="Arial" panose="020B0604020202020204" pitchFamily="34" charset="0"/>
+        <a:buChar char="•"/>
+        <a:defRPr kumimoji="1" sz="2400" kern="1200">
+          <a:solidFill>
+            <a:schemeClr val="tx1"/>
+          </a:solidFill>
+          <a:latin typeface="+mn-lt"/>
+          <a:ea typeface="+mn-ea"/>
+          <a:cs typeface="+mn-cs"/>
+        </a:defRPr>
+      </a:lvl2pPr>
+      <a:lvl3pPr marL="1143000" indent="-228600" algn="l" defTabSz="914400" rtl="0" eaLnBrk="1" latinLnBrk="0" hangingPunct="1">
+        <a:lnSpc>
+          <a:spcPct val="90000"/>
+        </a:lnSpc>
+        <a:spcBef>
+          <a:spcPts val="500"/>
+        </a:spcBef>
+        <a:buFont typeface="Arial" panose="020B0604020202020204" pitchFamily="34" charset="0"/>
+        <a:buChar char="•"/>
+        <a:defRPr kumimoji="1" sz="2000" kern="1200">
+          <a:solidFill>
+            <a:schemeClr val="tx1"/>
+          </a:solidFill>
+          <a:latin typeface="+mn-lt"/>
+          <a:ea typeface="+mn-ea"/>
+          <a:cs typeface="+mn-cs"/>
+        </a:defRPr>
+      </a:lvl3pPr>
+      <a:lvl4pPr marL="1600200" indent="-228600" algn="l" defTabSz="914400" rtl="0" eaLnBrk="1" latinLnBrk="0" hangingPunct="1">
+        <a:lnSpc>
+          <a:spcPct val="90000"/>
+        </a:lnSpc>
+        <a:spcBef>
+          <a:spcPts val="500"/>
         </a:spcBef>
         <a:buFont typeface="Arial" panose="020B0604020202020204" pitchFamily="34" charset="0"/>
         <a:buChar char="•"/>
@@ -2490,53 +2071,17 @@
           <a:ea typeface="+mn-ea"/>
           <a:cs typeface="+mn-cs"/>
         </a:defRPr>
-      </a:lvl2pPr>
-      <a:lvl3pPr marL="857250" indent="-170815" algn="l" defTabSz="685800" rtl="0" eaLnBrk="1" latinLnBrk="0" hangingPunct="1">
+      </a:lvl4pPr>
+      <a:lvl5pPr marL="2057400" indent="-228600" algn="l" defTabSz="914400" rtl="0" eaLnBrk="1" latinLnBrk="0" hangingPunct="1">
         <a:lnSpc>
           <a:spcPct val="90000"/>
         </a:lnSpc>
         <a:spcBef>
-          <a:spcPts val="375"/>
+          <a:spcPts val="500"/>
         </a:spcBef>
         <a:buFont typeface="Arial" panose="020B0604020202020204" pitchFamily="34" charset="0"/>
         <a:buChar char="•"/>
-        <a:defRPr kumimoji="1" sz="1500" kern="1200">
-          <a:solidFill>
-            <a:schemeClr val="tx1"/>
-          </a:solidFill>
-          <a:latin typeface="+mn-lt"/>
-          <a:ea typeface="+mn-ea"/>
-          <a:cs typeface="+mn-cs"/>
-        </a:defRPr>
-      </a:lvl3pPr>
-      <a:lvl4pPr marL="1200150" indent="-170815" algn="l" defTabSz="685800" rtl="0" eaLnBrk="1" latinLnBrk="0" hangingPunct="1">
-        <a:lnSpc>
-          <a:spcPct val="90000"/>
-        </a:lnSpc>
-        <a:spcBef>
-          <a:spcPts val="375"/>
-        </a:spcBef>
-        <a:buFont typeface="Arial" panose="020B0604020202020204" pitchFamily="34" charset="0"/>
-        <a:buChar char="•"/>
-        <a:defRPr kumimoji="1" sz="1350" kern="1200">
-          <a:solidFill>
-            <a:schemeClr val="tx1"/>
-          </a:solidFill>
-          <a:latin typeface="+mn-lt"/>
-          <a:ea typeface="+mn-ea"/>
-          <a:cs typeface="+mn-cs"/>
-        </a:defRPr>
-      </a:lvl4pPr>
-      <a:lvl5pPr marL="1543050" indent="-170815" algn="l" defTabSz="685800" rtl="0" eaLnBrk="1" latinLnBrk="0" hangingPunct="1">
-        <a:lnSpc>
-          <a:spcPct val="90000"/>
-        </a:lnSpc>
-        <a:spcBef>
-          <a:spcPts val="375"/>
-        </a:spcBef>
-        <a:buFont typeface="Arial" panose="020B0604020202020204" pitchFamily="34" charset="0"/>
-        <a:buChar char="•"/>
-        <a:defRPr kumimoji="1" sz="1350" kern="1200">
+        <a:defRPr kumimoji="1" sz="1800" kern="1200">
           <a:solidFill>
             <a:schemeClr val="tx1"/>
           </a:solidFill>
@@ -2545,16 +2090,16 @@
           <a:cs typeface="+mn-cs"/>
         </a:defRPr>
       </a:lvl5pPr>
-      <a:lvl6pPr marL="1885950" indent="-170815" algn="l" defTabSz="685800" rtl="0" eaLnBrk="1" latinLnBrk="0" hangingPunct="1">
+      <a:lvl6pPr marL="2514600" indent="-228600" algn="l" defTabSz="914400" rtl="0" eaLnBrk="1" latinLnBrk="0" hangingPunct="1">
         <a:lnSpc>
           <a:spcPct val="90000"/>
         </a:lnSpc>
         <a:spcBef>
-          <a:spcPts val="375"/>
+          <a:spcPts val="500"/>
         </a:spcBef>
         <a:buFont typeface="Arial" panose="020B0604020202020204" pitchFamily="34" charset="0"/>
         <a:buChar char="•"/>
-        <a:defRPr kumimoji="1" sz="1350" kern="1200">
+        <a:defRPr kumimoji="1" sz="1800" kern="1200">
           <a:solidFill>
             <a:schemeClr val="tx1"/>
           </a:solidFill>
@@ -2563,16 +2108,16 @@
           <a:cs typeface="+mn-cs"/>
         </a:defRPr>
       </a:lvl6pPr>
-      <a:lvl7pPr marL="2228850" indent="-170815" algn="l" defTabSz="685800" rtl="0" eaLnBrk="1" latinLnBrk="0" hangingPunct="1">
+      <a:lvl7pPr marL="2971800" indent="-228600" algn="l" defTabSz="914400" rtl="0" eaLnBrk="1" latinLnBrk="0" hangingPunct="1">
         <a:lnSpc>
           <a:spcPct val="90000"/>
         </a:lnSpc>
         <a:spcBef>
-          <a:spcPts val="375"/>
+          <a:spcPts val="500"/>
         </a:spcBef>
         <a:buFont typeface="Arial" panose="020B0604020202020204" pitchFamily="34" charset="0"/>
         <a:buChar char="•"/>
-        <a:defRPr kumimoji="1" sz="1350" kern="1200">
+        <a:defRPr kumimoji="1" sz="1800" kern="1200">
           <a:solidFill>
             <a:schemeClr val="tx1"/>
           </a:solidFill>
@@ -2581,16 +2126,16 @@
           <a:cs typeface="+mn-cs"/>
         </a:defRPr>
       </a:lvl7pPr>
-      <a:lvl8pPr marL="2571750" indent="-170815" algn="l" defTabSz="685800" rtl="0" eaLnBrk="1" latinLnBrk="0" hangingPunct="1">
+      <a:lvl8pPr marL="3429000" indent="-228600" algn="l" defTabSz="914400" rtl="0" eaLnBrk="1" latinLnBrk="0" hangingPunct="1">
         <a:lnSpc>
           <a:spcPct val="90000"/>
         </a:lnSpc>
         <a:spcBef>
-          <a:spcPts val="375"/>
+          <a:spcPts val="500"/>
         </a:spcBef>
         <a:buFont typeface="Arial" panose="020B0604020202020204" pitchFamily="34" charset="0"/>
         <a:buChar char="•"/>
-        <a:defRPr kumimoji="1" sz="1350" kern="1200">
+        <a:defRPr kumimoji="1" sz="1800" kern="1200">
           <a:solidFill>
             <a:schemeClr val="tx1"/>
           </a:solidFill>
@@ -2599,16 +2144,16 @@
           <a:cs typeface="+mn-cs"/>
         </a:defRPr>
       </a:lvl8pPr>
-      <a:lvl9pPr marL="2914650" indent="-170815" algn="l" defTabSz="685800" rtl="0" eaLnBrk="1" latinLnBrk="0" hangingPunct="1">
+      <a:lvl9pPr marL="3886200" indent="-228600" algn="l" defTabSz="914400" rtl="0" eaLnBrk="1" latinLnBrk="0" hangingPunct="1">
         <a:lnSpc>
           <a:spcPct val="90000"/>
         </a:lnSpc>
         <a:spcBef>
-          <a:spcPts val="375"/>
+          <a:spcPts val="500"/>
         </a:spcBef>
         <a:buFont typeface="Arial" panose="020B0604020202020204" pitchFamily="34" charset="0"/>
         <a:buChar char="•"/>
-        <a:defRPr kumimoji="1" sz="1350" kern="1200">
+        <a:defRPr kumimoji="1" sz="1800" kern="1200">
           <a:solidFill>
             <a:schemeClr val="tx1"/>
           </a:solidFill>
@@ -2622,8 +2167,8 @@
       <a:defPPr>
         <a:defRPr lang="ja-JP"/>
       </a:defPPr>
-      <a:lvl1pPr marL="0" algn="l" defTabSz="685800" rtl="0" eaLnBrk="1" latinLnBrk="0" hangingPunct="1">
-        <a:defRPr kumimoji="1" sz="1350" kern="1200">
+      <a:lvl1pPr marL="0" algn="l" defTabSz="914400" rtl="0" eaLnBrk="1" latinLnBrk="0" hangingPunct="1">
+        <a:defRPr kumimoji="1" sz="1800" kern="1200">
           <a:solidFill>
             <a:schemeClr val="tx1"/>
           </a:solidFill>
@@ -2632,8 +2177,8 @@
           <a:cs typeface="+mn-cs"/>
         </a:defRPr>
       </a:lvl1pPr>
-      <a:lvl2pPr marL="342900" algn="l" defTabSz="685800" rtl="0" eaLnBrk="1" latinLnBrk="0" hangingPunct="1">
-        <a:defRPr kumimoji="1" sz="1350" kern="1200">
+      <a:lvl2pPr marL="457200" algn="l" defTabSz="914400" rtl="0" eaLnBrk="1" latinLnBrk="0" hangingPunct="1">
+        <a:defRPr kumimoji="1" sz="1800" kern="1200">
           <a:solidFill>
             <a:schemeClr val="tx1"/>
           </a:solidFill>
@@ -2642,8 +2187,8 @@
           <a:cs typeface="+mn-cs"/>
         </a:defRPr>
       </a:lvl2pPr>
-      <a:lvl3pPr marL="685800" algn="l" defTabSz="685800" rtl="0" eaLnBrk="1" latinLnBrk="0" hangingPunct="1">
-        <a:defRPr kumimoji="1" sz="1350" kern="1200">
+      <a:lvl3pPr marL="914400" algn="l" defTabSz="914400" rtl="0" eaLnBrk="1" latinLnBrk="0" hangingPunct="1">
+        <a:defRPr kumimoji="1" sz="1800" kern="1200">
           <a:solidFill>
             <a:schemeClr val="tx1"/>
           </a:solidFill>
@@ -2652,8 +2197,8 @@
           <a:cs typeface="+mn-cs"/>
         </a:defRPr>
       </a:lvl3pPr>
-      <a:lvl4pPr marL="1028700" algn="l" defTabSz="685800" rtl="0" eaLnBrk="1" latinLnBrk="0" hangingPunct="1">
-        <a:defRPr kumimoji="1" sz="1350" kern="1200">
+      <a:lvl4pPr marL="1371600" algn="l" defTabSz="914400" rtl="0" eaLnBrk="1" latinLnBrk="0" hangingPunct="1">
+        <a:defRPr kumimoji="1" sz="1800" kern="1200">
           <a:solidFill>
             <a:schemeClr val="tx1"/>
           </a:solidFill>
@@ -2662,8 +2207,8 @@
           <a:cs typeface="+mn-cs"/>
         </a:defRPr>
       </a:lvl4pPr>
-      <a:lvl5pPr marL="1371600" algn="l" defTabSz="685800" rtl="0" eaLnBrk="1" latinLnBrk="0" hangingPunct="1">
-        <a:defRPr kumimoji="1" sz="1350" kern="1200">
+      <a:lvl5pPr marL="1828800" algn="l" defTabSz="914400" rtl="0" eaLnBrk="1" latinLnBrk="0" hangingPunct="1">
+        <a:defRPr kumimoji="1" sz="1800" kern="1200">
           <a:solidFill>
             <a:schemeClr val="tx1"/>
           </a:solidFill>
@@ -2672,8 +2217,8 @@
           <a:cs typeface="+mn-cs"/>
         </a:defRPr>
       </a:lvl5pPr>
-      <a:lvl6pPr marL="1714500" algn="l" defTabSz="685800" rtl="0" eaLnBrk="1" latinLnBrk="0" hangingPunct="1">
-        <a:defRPr kumimoji="1" sz="1350" kern="1200">
+      <a:lvl6pPr marL="2286000" algn="l" defTabSz="914400" rtl="0" eaLnBrk="1" latinLnBrk="0" hangingPunct="1">
+        <a:defRPr kumimoji="1" sz="1800" kern="1200">
           <a:solidFill>
             <a:schemeClr val="tx1"/>
           </a:solidFill>
@@ -2682,8 +2227,8 @@
           <a:cs typeface="+mn-cs"/>
         </a:defRPr>
       </a:lvl6pPr>
-      <a:lvl7pPr marL="2057400" algn="l" defTabSz="685800" rtl="0" eaLnBrk="1" latinLnBrk="0" hangingPunct="1">
-        <a:defRPr kumimoji="1" sz="1350" kern="1200">
+      <a:lvl7pPr marL="2743200" algn="l" defTabSz="914400" rtl="0" eaLnBrk="1" latinLnBrk="0" hangingPunct="1">
+        <a:defRPr kumimoji="1" sz="1800" kern="1200">
           <a:solidFill>
             <a:schemeClr val="tx1"/>
           </a:solidFill>
@@ -2692,8 +2237,8 @@
           <a:cs typeface="+mn-cs"/>
         </a:defRPr>
       </a:lvl7pPr>
-      <a:lvl8pPr marL="2400300" algn="l" defTabSz="685800" rtl="0" eaLnBrk="1" latinLnBrk="0" hangingPunct="1">
-        <a:defRPr kumimoji="1" sz="1350" kern="1200">
+      <a:lvl8pPr marL="3200400" algn="l" defTabSz="914400" rtl="0" eaLnBrk="1" latinLnBrk="0" hangingPunct="1">
+        <a:defRPr kumimoji="1" sz="1800" kern="1200">
           <a:solidFill>
             <a:schemeClr val="tx1"/>
           </a:solidFill>
@@ -2702,8 +2247,8 @@
           <a:cs typeface="+mn-cs"/>
         </a:defRPr>
       </a:lvl8pPr>
-      <a:lvl9pPr marL="2743200" algn="l" defTabSz="685800" rtl="0" eaLnBrk="1" latinLnBrk="0" hangingPunct="1">
-        <a:defRPr kumimoji="1" sz="1350" kern="1200">
+      <a:lvl9pPr marL="3657600" algn="l" defTabSz="914400" rtl="0" eaLnBrk="1" latinLnBrk="0" hangingPunct="1">
+        <a:defRPr kumimoji="1" sz="1800" kern="1200">
           <a:solidFill>
             <a:schemeClr val="tx1"/>
           </a:solidFill>
@@ -2742,10 +2287,16 @@
           <a:bodyPr/>
           <a:p>
             <a:r>
-              <a:rPr lang="ja-JP" altLang="en-US"/>
+              <a:rPr lang="ja-JP" altLang="en-US">
+                <a:latin typeface="BIZ UDPゴシック" panose="020B0400000000000000" charset="-128"/>
+                <a:ea typeface="BIZ UDPゴシック" panose="020B0400000000000000" charset="-128"/>
+              </a:rPr>
               <a:t>対策・脆弱性・脅威・リスク・資産の関係</a:t>
             </a:r>
-            <a:endParaRPr lang="ja-JP" altLang="en-US"/>
+            <a:endParaRPr lang="ja-JP" altLang="en-US">
+              <a:latin typeface="BIZ UDPゴシック" panose="020B0400000000000000" charset="-128"/>
+              <a:ea typeface="BIZ UDPゴシック" panose="020B0400000000000000" charset="-128"/>
+            </a:endParaRPr>
           </a:p>
         </p:txBody>
       </p:sp>
@@ -2756,7 +2307,7 @@
             <a:spLocks noGrp="1"/>
           </p:cNvSpPr>
           <p:nvPr>
-            <p:ph type="sldNum" sz="quarter" idx="11"/>
+            <p:ph type="sldNum" sz="quarter" idx="10"/>
           </p:nvPr>
         </p:nvSpPr>
         <p:spPr/>
@@ -2815,8 +2366,8 @@
                   <a:schemeClr val="tx1"/>
                 </a:solidFill>
                 <a:effectLst/>
-                <a:latin typeface="Takao Pゴシック" panose="020B0500000000000000" charset="-128"/>
-                <a:ea typeface="Takao Pゴシック" panose="020B0500000000000000" charset="-128"/>
+                <a:latin typeface="BIZ UDPゴシック" panose="020B0400000000000000" charset="-128"/>
+                <a:ea typeface="BIZ UDPゴシック" panose="020B0400000000000000" charset="-128"/>
               </a:rPr>
               <a:t>ビジネスオーナー</a:t>
             </a:r>
@@ -2829,8 +2380,8 @@
                 <a:schemeClr val="tx1"/>
               </a:solidFill>
               <a:effectLst/>
-              <a:latin typeface="Takao Pゴシック" panose="020B0500000000000000" charset="-128"/>
-              <a:ea typeface="Takao Pゴシック" panose="020B0500000000000000" charset="-128"/>
+              <a:latin typeface="BIZ UDPゴシック" panose="020B0400000000000000" charset="-128"/>
+              <a:ea typeface="BIZ UDPゴシック" panose="020B0400000000000000" charset="-128"/>
             </a:endParaRPr>
           </a:p>
         </p:txBody>
@@ -2850,7 +2401,7 @@
             <a:avLst/>
           </a:prstGeom>
           <a:solidFill>
-            <a:schemeClr val="accent5">
+            <a:schemeClr val="accent1">
               <a:lumMod val="40000"/>
               <a:lumOff val="60000"/>
             </a:schemeClr>
@@ -2884,8 +2435,8 @@
                     </a:srgbClr>
                   </a:outerShdw>
                 </a:effectLst>
-                <a:latin typeface="Takao Pゴシック" panose="020B0500000000000000" charset="-128"/>
-                <a:ea typeface="Takao Pゴシック" panose="020B0500000000000000" charset="-128"/>
+                <a:latin typeface="BIZ UDPゴシック" panose="020B0400000000000000" charset="-128"/>
+                <a:ea typeface="BIZ UDPゴシック" panose="020B0400000000000000" charset="-128"/>
               </a:rPr>
               <a:t>対策</a:t>
             </a:r>
@@ -2904,8 +2455,8 @@
                   </a:srgbClr>
                 </a:outerShdw>
               </a:effectLst>
-              <a:latin typeface="Takao Pゴシック" panose="020B0500000000000000" charset="-128"/>
-              <a:ea typeface="Takao Pゴシック" panose="020B0500000000000000" charset="-128"/>
+              <a:latin typeface="BIZ UDPゴシック" panose="020B0400000000000000" charset="-128"/>
+              <a:ea typeface="BIZ UDPゴシック" panose="020B0400000000000000" charset="-128"/>
             </a:endParaRPr>
           </a:p>
         </p:txBody>
@@ -2958,8 +2509,8 @@
                     </a:srgbClr>
                   </a:outerShdw>
                 </a:effectLst>
-                <a:latin typeface="Takao Pゴシック" panose="020B0500000000000000" charset="-128"/>
-                <a:ea typeface="Takao Pゴシック" panose="020B0500000000000000" charset="-128"/>
+                <a:latin typeface="BIZ UDPゴシック" panose="020B0400000000000000" charset="-128"/>
+                <a:ea typeface="BIZ UDPゴシック" panose="020B0400000000000000" charset="-128"/>
               </a:rPr>
               <a:t>脆弱性</a:t>
             </a:r>
@@ -2978,8 +2529,8 @@
                   </a:srgbClr>
                 </a:outerShdw>
               </a:effectLst>
-              <a:latin typeface="Takao Pゴシック" panose="020B0500000000000000" charset="-128"/>
-              <a:ea typeface="Takao Pゴシック" panose="020B0500000000000000" charset="-128"/>
+              <a:latin typeface="BIZ UDPゴシック" panose="020B0400000000000000" charset="-128"/>
+              <a:ea typeface="BIZ UDPゴシック" panose="020B0400000000000000" charset="-128"/>
             </a:endParaRPr>
           </a:p>
         </p:txBody>
@@ -3032,8 +2583,8 @@
                     </a:srgbClr>
                   </a:outerShdw>
                 </a:effectLst>
-                <a:latin typeface="Takao Pゴシック" panose="020B0500000000000000" charset="-128"/>
-                <a:ea typeface="Takao Pゴシック" panose="020B0500000000000000" charset="-128"/>
+                <a:latin typeface="BIZ UDPゴシック" panose="020B0400000000000000" charset="-128"/>
+                <a:ea typeface="BIZ UDPゴシック" panose="020B0400000000000000" charset="-128"/>
               </a:rPr>
               <a:t>リスク</a:t>
             </a:r>
@@ -3052,8 +2603,8 @@
                   </a:srgbClr>
                 </a:outerShdw>
               </a:effectLst>
-              <a:latin typeface="Takao Pゴシック" panose="020B0500000000000000" charset="-128"/>
-              <a:ea typeface="Takao Pゴシック" panose="020B0500000000000000" charset="-128"/>
+              <a:latin typeface="BIZ UDPゴシック" panose="020B0400000000000000" charset="-128"/>
+              <a:ea typeface="BIZ UDPゴシック" panose="020B0400000000000000" charset="-128"/>
             </a:endParaRPr>
           </a:p>
         </p:txBody>
@@ -3104,8 +2655,8 @@
                     </a:srgbClr>
                   </a:outerShdw>
                 </a:effectLst>
-                <a:latin typeface="Takao Pゴシック" panose="020B0500000000000000" charset="-128"/>
-                <a:ea typeface="Takao Pゴシック" panose="020B0500000000000000" charset="-128"/>
+                <a:latin typeface="BIZ UDPゴシック" panose="020B0400000000000000" charset="-128"/>
+                <a:ea typeface="BIZ UDPゴシック" panose="020B0400000000000000" charset="-128"/>
               </a:rPr>
               <a:t>資産</a:t>
             </a:r>
@@ -3124,8 +2675,8 @@
                   </a:srgbClr>
                 </a:outerShdw>
               </a:effectLst>
-              <a:latin typeface="Takao Pゴシック" panose="020B0500000000000000" charset="-128"/>
-              <a:ea typeface="Takao Pゴシック" panose="020B0500000000000000" charset="-128"/>
+              <a:latin typeface="BIZ UDPゴシック" panose="020B0400000000000000" charset="-128"/>
+              <a:ea typeface="BIZ UDPゴシック" panose="020B0400000000000000" charset="-128"/>
             </a:endParaRPr>
           </a:p>
         </p:txBody>
@@ -3191,14 +2742,14 @@
           <a:p>
             <a:r>
               <a:rPr lang="ja-JP" altLang="en-US" sz="2000">
-                <a:latin typeface="Takao Pゴシック" panose="020B0500000000000000" charset="-128"/>
-                <a:ea typeface="Takao Pゴシック" panose="020B0500000000000000" charset="-128"/>
+                <a:latin typeface="BIZ UDPゴシック" panose="020B0400000000000000" charset="-128"/>
+                <a:ea typeface="BIZ UDPゴシック" panose="020B0400000000000000" charset="-128"/>
               </a:rPr>
               <a:t>価値あるもの</a:t>
             </a:r>
             <a:endParaRPr lang="ja-JP" altLang="en-US" sz="2000">
-              <a:latin typeface="Takao Pゴシック" panose="020B0500000000000000" charset="-128"/>
-              <a:ea typeface="Takao Pゴシック" panose="020B0500000000000000" charset="-128"/>
+              <a:latin typeface="BIZ UDPゴシック" panose="020B0400000000000000" charset="-128"/>
+              <a:ea typeface="BIZ UDPゴシック" panose="020B0400000000000000" charset="-128"/>
             </a:endParaRPr>
           </a:p>
         </p:txBody>
@@ -3376,8 +2927,8 @@
                   <a:schemeClr val="tx1"/>
                 </a:solidFill>
                 <a:effectLst/>
-                <a:latin typeface="Takao Pゴシック" panose="020B0500000000000000" charset="-128"/>
-                <a:ea typeface="Takao Pゴシック" panose="020B0500000000000000" charset="-128"/>
+                <a:latin typeface="BIZ UDPゴシック" panose="020B0400000000000000" charset="-128"/>
+                <a:ea typeface="BIZ UDPゴシック" panose="020B0400000000000000" charset="-128"/>
               </a:rPr>
               <a:t>アタックベクター</a:t>
             </a:r>
@@ -3390,8 +2941,8 @@
                 <a:schemeClr val="tx1"/>
               </a:solidFill>
               <a:effectLst/>
-              <a:latin typeface="Takao Pゴシック" panose="020B0500000000000000" charset="-128"/>
-              <a:ea typeface="Takao Pゴシック" panose="020B0500000000000000" charset="-128"/>
+              <a:latin typeface="BIZ UDPゴシック" panose="020B0400000000000000" charset="-128"/>
+              <a:ea typeface="BIZ UDPゴシック" panose="020B0400000000000000" charset="-128"/>
             </a:endParaRPr>
           </a:p>
         </p:txBody>
@@ -3439,8 +2990,8 @@
                   <a:schemeClr val="tx1"/>
                 </a:solidFill>
                 <a:effectLst/>
-                <a:latin typeface="Takao Pゴシック" panose="020B0500000000000000" charset="-128"/>
-                <a:ea typeface="Takao Pゴシック" panose="020B0500000000000000" charset="-128"/>
+                <a:latin typeface="BIZ UDPゴシック" panose="020B0400000000000000" charset="-128"/>
+                <a:ea typeface="BIZ UDPゴシック" panose="020B0400000000000000" charset="-128"/>
               </a:rPr>
               <a:t>脅威エージェント</a:t>
             </a:r>
@@ -3453,8 +3004,8 @@
                 <a:schemeClr val="tx1"/>
               </a:solidFill>
               <a:effectLst/>
-              <a:latin typeface="Takao Pゴシック" panose="020B0500000000000000" charset="-128"/>
-              <a:ea typeface="Takao Pゴシック" panose="020B0500000000000000" charset="-128"/>
+              <a:latin typeface="BIZ UDPゴシック" panose="020B0400000000000000" charset="-128"/>
+              <a:ea typeface="BIZ UDPゴシック" panose="020B0400000000000000" charset="-128"/>
             </a:endParaRPr>
           </a:p>
         </p:txBody>
@@ -3521,14 +3072,14 @@
           <a:p>
             <a:r>
               <a:rPr lang="ja-JP" altLang="en-US" sz="2000">
-                <a:latin typeface="Takao Pゴシック" panose="020B0500000000000000" charset="-128"/>
-                <a:ea typeface="Takao Pゴシック" panose="020B0500000000000000" charset="-128"/>
+                <a:latin typeface="BIZ UDPゴシック" panose="020B0400000000000000" charset="-128"/>
+                <a:ea typeface="BIZ UDPゴシック" panose="020B0400000000000000" charset="-128"/>
               </a:rPr>
               <a:t>使う</a:t>
             </a:r>
             <a:endParaRPr lang="ja-JP" altLang="en-US" sz="2000">
-              <a:latin typeface="Takao Pゴシック" panose="020B0500000000000000" charset="-128"/>
-              <a:ea typeface="Takao Pゴシック" panose="020B0500000000000000" charset="-128"/>
+              <a:latin typeface="BIZ UDPゴシック" panose="020B0400000000000000" charset="-128"/>
+              <a:ea typeface="BIZ UDPゴシック" panose="020B0400000000000000" charset="-128"/>
             </a:endParaRPr>
           </a:p>
         </p:txBody>
@@ -3579,8 +3130,8 @@
                     </a:srgbClr>
                   </a:outerShdw>
                 </a:effectLst>
-                <a:latin typeface="Takao Pゴシック" panose="020B0500000000000000" charset="-128"/>
-                <a:ea typeface="Takao Pゴシック" panose="020B0500000000000000" charset="-128"/>
+                <a:latin typeface="BIZ UDPゴシック" panose="020B0400000000000000" charset="-128"/>
+                <a:ea typeface="BIZ UDPゴシック" panose="020B0400000000000000" charset="-128"/>
               </a:rPr>
               <a:t>脅威</a:t>
             </a:r>
@@ -3599,8 +3150,8 @@
                   </a:srgbClr>
                 </a:outerShdw>
               </a:effectLst>
-              <a:latin typeface="Takao Pゴシック" panose="020B0500000000000000" charset="-128"/>
-              <a:ea typeface="Takao Pゴシック" panose="020B0500000000000000" charset="-128"/>
+              <a:latin typeface="BIZ UDPゴシック" panose="020B0400000000000000" charset="-128"/>
+              <a:ea typeface="BIZ UDPゴシック" panose="020B0400000000000000" charset="-128"/>
             </a:endParaRPr>
           </a:p>
         </p:txBody>
@@ -3628,14 +3179,14 @@
           <a:p>
             <a:r>
               <a:rPr lang="ja-JP" altLang="en-US" sz="2000">
-                <a:latin typeface="Takao Pゴシック" panose="020B0500000000000000" charset="-128"/>
-                <a:ea typeface="Takao Pゴシック" panose="020B0500000000000000" charset="-128"/>
+                <a:latin typeface="BIZ UDPゴシック" panose="020B0400000000000000" charset="-128"/>
+                <a:ea typeface="BIZ UDPゴシック" panose="020B0400000000000000" charset="-128"/>
               </a:rPr>
               <a:t>攻撃する</a:t>
             </a:r>
             <a:endParaRPr lang="ja-JP" altLang="en-US" sz="2000">
-              <a:latin typeface="Takao Pゴシック" panose="020B0500000000000000" charset="-128"/>
-              <a:ea typeface="Takao Pゴシック" panose="020B0500000000000000" charset="-128"/>
+              <a:latin typeface="BIZ UDPゴシック" panose="020B0400000000000000" charset="-128"/>
+              <a:ea typeface="BIZ UDPゴシック" panose="020B0400000000000000" charset="-128"/>
             </a:endParaRPr>
           </a:p>
         </p:txBody>
@@ -3749,14 +3300,14 @@
           <a:p>
             <a:r>
               <a:rPr lang="ja-JP" altLang="en-US" sz="2000">
-                <a:latin typeface="Takao Pゴシック" panose="020B0500000000000000" charset="-128"/>
-                <a:ea typeface="Takao Pゴシック" panose="020B0500000000000000" charset="-128"/>
+                <a:latin typeface="BIZ UDPゴシック" panose="020B0400000000000000" charset="-128"/>
+                <a:ea typeface="BIZ UDPゴシック" panose="020B0400000000000000" charset="-128"/>
               </a:rPr>
               <a:t>高める</a:t>
             </a:r>
             <a:endParaRPr lang="ja-JP" altLang="en-US" sz="2000">
-              <a:latin typeface="Takao Pゴシック" panose="020B0500000000000000" charset="-128"/>
-              <a:ea typeface="Takao Pゴシック" panose="020B0500000000000000" charset="-128"/>
+              <a:latin typeface="BIZ UDPゴシック" panose="020B0400000000000000" charset="-128"/>
+              <a:ea typeface="BIZ UDPゴシック" panose="020B0400000000000000" charset="-128"/>
             </a:endParaRPr>
           </a:p>
         </p:txBody>
@@ -3904,14 +3455,14 @@
           <a:p>
             <a:r>
               <a:rPr lang="ja-JP" altLang="en-US" sz="2000">
-                <a:latin typeface="Takao Pゴシック" panose="020B0500000000000000" charset="-128"/>
-                <a:ea typeface="Takao Pゴシック" panose="020B0500000000000000" charset="-128"/>
+                <a:latin typeface="BIZ UDPゴシック" panose="020B0400000000000000" charset="-128"/>
+                <a:ea typeface="BIZ UDPゴシック" panose="020B0400000000000000" charset="-128"/>
               </a:rPr>
               <a:t>コントロール</a:t>
             </a:r>
             <a:endParaRPr lang="ja-JP" altLang="en-US" sz="2000">
-              <a:latin typeface="Takao Pゴシック" panose="020B0500000000000000" charset="-128"/>
-              <a:ea typeface="Takao Pゴシック" panose="020B0500000000000000" charset="-128"/>
+              <a:latin typeface="BIZ UDPゴシック" panose="020B0400000000000000" charset="-128"/>
+              <a:ea typeface="BIZ UDPゴシック" panose="020B0400000000000000" charset="-128"/>
             </a:endParaRPr>
           </a:p>
         </p:txBody>
@@ -4012,14 +3563,14 @@
           <a:p>
             <a:r>
               <a:rPr lang="ja-JP" altLang="en-US" sz="2000">
-                <a:latin typeface="Takao Pゴシック" panose="020B0500000000000000" charset="-128"/>
-                <a:ea typeface="Takao Pゴシック" panose="020B0500000000000000" charset="-128"/>
+                <a:latin typeface="BIZ UDPゴシック" panose="020B0400000000000000" charset="-128"/>
+                <a:ea typeface="BIZ UDPゴシック" panose="020B0400000000000000" charset="-128"/>
               </a:rPr>
               <a:t>減らす</a:t>
             </a:r>
             <a:endParaRPr lang="ja-JP" altLang="en-US" sz="2000">
-              <a:latin typeface="Takao Pゴシック" panose="020B0500000000000000" charset="-128"/>
-              <a:ea typeface="Takao Pゴシック" panose="020B0500000000000000" charset="-128"/>
+              <a:latin typeface="BIZ UDPゴシック" panose="020B0400000000000000" charset="-128"/>
+              <a:ea typeface="BIZ UDPゴシック" panose="020B0400000000000000" charset="-128"/>
             </a:endParaRPr>
           </a:p>
         </p:txBody>
@@ -4047,14 +3598,14 @@
           <a:p>
             <a:r>
               <a:rPr lang="ja-JP" altLang="en-US" sz="2000">
-                <a:latin typeface="Takao Pゴシック" panose="020B0500000000000000" charset="-128"/>
-                <a:ea typeface="Takao Pゴシック" panose="020B0500000000000000" charset="-128"/>
+                <a:latin typeface="BIZ UDPゴシック" panose="020B0400000000000000" charset="-128"/>
+                <a:ea typeface="BIZ UDPゴシック" panose="020B0400000000000000" charset="-128"/>
               </a:rPr>
               <a:t>減らしたい</a:t>
             </a:r>
             <a:endParaRPr lang="ja-JP" altLang="en-US" sz="2000">
-              <a:latin typeface="Takao Pゴシック" panose="020B0500000000000000" charset="-128"/>
-              <a:ea typeface="Takao Pゴシック" panose="020B0500000000000000" charset="-128"/>
+              <a:latin typeface="BIZ UDPゴシック" panose="020B0400000000000000" charset="-128"/>
+              <a:ea typeface="BIZ UDPゴシック" panose="020B0400000000000000" charset="-128"/>
             </a:endParaRPr>
           </a:p>
         </p:txBody>
@@ -4082,14 +3633,14 @@
           <a:p>
             <a:r>
               <a:rPr lang="ja-JP" altLang="en-US" sz="2000">
-                <a:latin typeface="Takao Pゴシック" panose="020B0500000000000000" charset="-128"/>
-                <a:ea typeface="Takao Pゴシック" panose="020B0500000000000000" charset="-128"/>
+                <a:latin typeface="BIZ UDPゴシック" panose="020B0400000000000000" charset="-128"/>
+                <a:ea typeface="BIZ UDPゴシック" panose="020B0400000000000000" charset="-128"/>
               </a:rPr>
               <a:t>課する</a:t>
             </a:r>
             <a:endParaRPr lang="ja-JP" altLang="en-US" sz="2000">
-              <a:latin typeface="Takao Pゴシック" panose="020B0500000000000000" charset="-128"/>
-              <a:ea typeface="Takao Pゴシック" panose="020B0500000000000000" charset="-128"/>
+              <a:latin typeface="BIZ UDPゴシック" panose="020B0400000000000000" charset="-128"/>
+              <a:ea typeface="BIZ UDPゴシック" panose="020B0400000000000000" charset="-128"/>
             </a:endParaRPr>
           </a:p>
         </p:txBody>
@@ -4117,14 +3668,14 @@
           <a:p>
             <a:r>
               <a:rPr lang="ja-JP" altLang="en-US" sz="2000">
-                <a:latin typeface="Takao Pゴシック" panose="020B0500000000000000" charset="-128"/>
-                <a:ea typeface="Takao Pゴシック" panose="020B0500000000000000" charset="-128"/>
+                <a:latin typeface="BIZ UDPゴシック" panose="020B0400000000000000" charset="-128"/>
+                <a:ea typeface="BIZ UDPゴシック" panose="020B0400000000000000" charset="-128"/>
               </a:rPr>
               <a:t>認識するかも</a:t>
             </a:r>
             <a:endParaRPr lang="ja-JP" altLang="en-US" sz="2000">
-              <a:latin typeface="Takao Pゴシック" panose="020B0500000000000000" charset="-128"/>
-              <a:ea typeface="Takao Pゴシック" panose="020B0500000000000000" charset="-128"/>
+              <a:latin typeface="BIZ UDPゴシック" panose="020B0400000000000000" charset="-128"/>
+              <a:ea typeface="BIZ UDPゴシック" panose="020B0400000000000000" charset="-128"/>
             </a:endParaRPr>
           </a:p>
         </p:txBody>
@@ -4191,14 +3742,14 @@
           <a:p>
             <a:r>
               <a:rPr lang="ja-JP" altLang="en-US" sz="2000">
-                <a:latin typeface="Takao Pゴシック" panose="020B0500000000000000" charset="-128"/>
-                <a:ea typeface="Takao Pゴシック" panose="020B0500000000000000" charset="-128"/>
+                <a:latin typeface="BIZ UDPゴシック" panose="020B0400000000000000" charset="-128"/>
+                <a:ea typeface="BIZ UDPゴシック" panose="020B0400000000000000" charset="-128"/>
               </a:rPr>
               <a:t>高める</a:t>
             </a:r>
             <a:endParaRPr lang="ja-JP" altLang="en-US" sz="2000">
-              <a:latin typeface="Takao Pゴシック" panose="020B0500000000000000" charset="-128"/>
-              <a:ea typeface="Takao Pゴシック" panose="020B0500000000000000" charset="-128"/>
+              <a:latin typeface="BIZ UDPゴシック" panose="020B0400000000000000" charset="-128"/>
+              <a:ea typeface="BIZ UDPゴシック" panose="020B0400000000000000" charset="-128"/>
             </a:endParaRPr>
           </a:p>
         </p:txBody>
@@ -4267,28 +3818,32 @@
           <a:p>
             <a:r>
               <a:rPr lang="ja-JP" altLang="en-US" sz="2400">
-                <a:latin typeface="Takao Pゴシック" panose="020B0500000000000000" charset="-128"/>
-                <a:ea typeface="Takao Pゴシック" panose="020B0500000000000000" charset="-128"/>
+                <a:latin typeface="BIZ UDPゴシック" panose="020B0400000000000000" charset="-128"/>
+                <a:ea typeface="BIZ UDPゴシック" panose="020B0400000000000000" charset="-128"/>
+                <a:cs typeface="BIZ UDPゴシック" panose="020B0400000000000000" charset="-128"/>
               </a:rPr>
               <a:t>犯罪</a:t>
             </a:r>
             <a:r>
               <a:rPr lang="en-US" altLang="ja-JP" sz="2400">
-                <a:latin typeface="Takao Pゴシック" panose="020B0500000000000000" charset="-128"/>
-                <a:ea typeface="Takao Pゴシック" panose="020B0500000000000000" charset="-128"/>
+                <a:latin typeface="BIZ UDPゴシック" panose="020B0400000000000000" charset="-128"/>
+                <a:ea typeface="BIZ UDPゴシック" panose="020B0400000000000000" charset="-128"/>
+                <a:cs typeface="BIZ UDPゴシック" panose="020B0400000000000000" charset="-128"/>
               </a:rPr>
               <a:t>/</a:t>
             </a:r>
             <a:r>
               <a:rPr lang="ja-JP" altLang="en-US" sz="2400">
-                <a:latin typeface="Takao Pゴシック" panose="020B0500000000000000" charset="-128"/>
-                <a:ea typeface="Takao Pゴシック" panose="020B0500000000000000" charset="-128"/>
+                <a:latin typeface="BIZ UDPゴシック" panose="020B0400000000000000" charset="-128"/>
+                <a:ea typeface="BIZ UDPゴシック" panose="020B0400000000000000" charset="-128"/>
+                <a:cs typeface="BIZ UDPゴシック" panose="020B0400000000000000" charset="-128"/>
               </a:rPr>
               <a:t>損害を与える意図</a:t>
             </a:r>
             <a:endParaRPr lang="ja-JP" altLang="en-US" sz="2400">
-              <a:latin typeface="Takao Pゴシック" panose="020B0500000000000000" charset="-128"/>
-              <a:ea typeface="Takao Pゴシック" panose="020B0500000000000000" charset="-128"/>
+              <a:latin typeface="BIZ UDPゴシック" panose="020B0400000000000000" charset="-128"/>
+              <a:ea typeface="BIZ UDPゴシック" panose="020B0400000000000000" charset="-128"/>
+              <a:cs typeface="BIZ UDPゴシック" panose="020B0400000000000000" charset="-128"/>
             </a:endParaRPr>
           </a:p>
         </p:txBody>
@@ -4389,14 +3944,14 @@
           <a:p>
             <a:r>
               <a:rPr lang="ja-JP" altLang="en-US" sz="2000">
-                <a:latin typeface="Takao Pゴシック" panose="020B0500000000000000" charset="-128"/>
-                <a:ea typeface="Takao Pゴシック" panose="020B0500000000000000" charset="-128"/>
+                <a:latin typeface="BIZ UDPゴシック" panose="020B0400000000000000" charset="-128"/>
+                <a:ea typeface="BIZ UDPゴシック" panose="020B0400000000000000" charset="-128"/>
               </a:rPr>
               <a:t>基づく</a:t>
             </a:r>
             <a:endParaRPr lang="ja-JP" altLang="en-US" sz="2000">
-              <a:latin typeface="Takao Pゴシック" panose="020B0500000000000000" charset="-128"/>
-              <a:ea typeface="Takao Pゴシック" panose="020B0500000000000000" charset="-128"/>
+              <a:latin typeface="BIZ UDPゴシック" panose="020B0400000000000000" charset="-128"/>
+              <a:ea typeface="BIZ UDPゴシック" panose="020B0400000000000000" charset="-128"/>
             </a:endParaRPr>
           </a:p>
         </p:txBody>
@@ -4474,7 +4029,7 @@
       </p:cxnSp>
       <p:pic>
         <p:nvPicPr>
-          <p:cNvPr id="55" name="図形 54" descr="Man-101"/>
+          <p:cNvPr id="59" name="図形 58" descr="Warn-105"/>
           <p:cNvPicPr>
             <a:picLocks noChangeAspect="1"/>
           </p:cNvPicPr>
@@ -4488,8 +4043,8 @@
         </p:blipFill>
         <p:spPr>
           <a:xfrm>
-            <a:off x="516890" y="1314450"/>
-            <a:ext cx="398780" cy="665480"/>
+            <a:off x="7710805" y="3833495"/>
+            <a:ext cx="658495" cy="583565"/>
           </a:xfrm>
           <a:prstGeom prst="rect">
             <a:avLst/>
@@ -4498,7 +4053,7 @@
       </p:pic>
       <p:pic>
         <p:nvPicPr>
-          <p:cNvPr id="56" name="図形 55" descr="Shield-101"/>
+          <p:cNvPr id="60" name="図形 59" descr="Arrow-105"/>
           <p:cNvPicPr>
             <a:picLocks noChangeAspect="1"/>
           </p:cNvPicPr>
@@ -4512,8 +4067,8 @@
         </p:blipFill>
         <p:spPr>
           <a:xfrm>
-            <a:off x="4194175" y="1760220"/>
-            <a:ext cx="624205" cy="666115"/>
+            <a:off x="2392045" y="4456430"/>
+            <a:ext cx="437515" cy="437515"/>
           </a:xfrm>
           <a:prstGeom prst="rect">
             <a:avLst/>
@@ -4522,7 +4077,7 @@
       </p:pic>
       <p:pic>
         <p:nvPicPr>
-          <p:cNvPr id="58" name="図形 57" descr="Break-305"/>
+          <p:cNvPr id="62" name="図形 61" descr="fire-flame-800px"/>
           <p:cNvPicPr>
             <a:picLocks noChangeAspect="1"/>
           </p:cNvPicPr>
@@ -4536,128 +4091,8 @@
         </p:blipFill>
         <p:spPr>
           <a:xfrm>
-            <a:off x="5999480" y="2946400"/>
-            <a:ext cx="582930" cy="500380"/>
-          </a:xfrm>
-          <a:prstGeom prst="rect">
-            <a:avLst/>
-          </a:prstGeom>
-        </p:spPr>
-      </p:pic>
-      <p:pic>
-        <p:nvPicPr>
-          <p:cNvPr id="59" name="図形 58" descr="Warn-105"/>
-          <p:cNvPicPr>
-            <a:picLocks noChangeAspect="1"/>
-          </p:cNvPicPr>
-          <p:nvPr/>
-        </p:nvPicPr>
-        <p:blipFill>
-          <a:blip r:embed="rId5"/>
-          <a:stretch>
-            <a:fillRect/>
-          </a:stretch>
-        </p:blipFill>
-        <p:spPr>
-          <a:xfrm>
-            <a:off x="7710805" y="3833495"/>
-            <a:ext cx="658495" cy="583565"/>
-          </a:xfrm>
-          <a:prstGeom prst="rect">
-            <a:avLst/>
-          </a:prstGeom>
-        </p:spPr>
-      </p:pic>
-      <p:pic>
-        <p:nvPicPr>
-          <p:cNvPr id="60" name="図形 59" descr="Arrow-105"/>
-          <p:cNvPicPr>
-            <a:picLocks noChangeAspect="1"/>
-          </p:cNvPicPr>
-          <p:nvPr/>
-        </p:nvPicPr>
-        <p:blipFill>
-          <a:blip r:embed="rId6"/>
-          <a:stretch>
-            <a:fillRect/>
-          </a:stretch>
-        </p:blipFill>
-        <p:spPr>
-          <a:xfrm>
-            <a:off x="2392045" y="4456430"/>
-            <a:ext cx="437515" cy="437515"/>
-          </a:xfrm>
-          <a:prstGeom prst="rect">
-            <a:avLst/>
-          </a:prstGeom>
-        </p:spPr>
-      </p:pic>
-      <p:pic>
-        <p:nvPicPr>
-          <p:cNvPr id="61" name="図形 60" descr="Virus-205"/>
-          <p:cNvPicPr>
-            <a:picLocks noChangeAspect="1"/>
-          </p:cNvPicPr>
-          <p:nvPr/>
-        </p:nvPicPr>
-        <p:blipFill>
-          <a:blip r:embed="rId7"/>
-          <a:stretch>
-            <a:fillRect/>
-          </a:stretch>
-        </p:blipFill>
-        <p:spPr>
-          <a:xfrm>
-            <a:off x="516890" y="5447665"/>
-            <a:ext cx="558165" cy="583565"/>
-          </a:xfrm>
-          <a:prstGeom prst="rect">
-            <a:avLst/>
-          </a:prstGeom>
-        </p:spPr>
-      </p:pic>
-      <p:pic>
-        <p:nvPicPr>
-          <p:cNvPr id="62" name="図形 61" descr="fire-flame-800px"/>
-          <p:cNvPicPr>
-            <a:picLocks noChangeAspect="1"/>
-          </p:cNvPicPr>
-          <p:nvPr/>
-        </p:nvPicPr>
-        <p:blipFill>
-          <a:blip r:embed="rId8"/>
-          <a:stretch>
-            <a:fillRect/>
-          </a:stretch>
-        </p:blipFill>
-        <p:spPr>
-          <a:xfrm>
             <a:off x="3014980" y="5258435"/>
             <a:ext cx="482600" cy="666115"/>
-          </a:xfrm>
-          <a:prstGeom prst="rect">
-            <a:avLst/>
-          </a:prstGeom>
-        </p:spPr>
-      </p:pic>
-      <p:pic>
-        <p:nvPicPr>
-          <p:cNvPr id="63" name="図形 62" descr="coinhoard-300px"/>
-          <p:cNvPicPr>
-            <a:picLocks noChangeAspect="1"/>
-          </p:cNvPicPr>
-          <p:nvPr/>
-        </p:nvPicPr>
-        <p:blipFill>
-          <a:blip r:embed="rId9"/>
-          <a:stretch>
-            <a:fillRect/>
-          </a:stretch>
-        </p:blipFill>
-        <p:spPr>
-          <a:xfrm>
-            <a:off x="10117455" y="5466080"/>
-            <a:ext cx="838200" cy="527050"/>
           </a:xfrm>
           <a:prstGeom prst="rect">
             <a:avLst/>
@@ -4796,18 +4231,138 @@
           <a:p>
             <a:r>
               <a:rPr lang="ja-JP" altLang="en-US" sz="2000">
-                <a:latin typeface="Takao Pゴシック" panose="020B0500000000000000" charset="-128"/>
-                <a:ea typeface="Takao Pゴシック" panose="020B0500000000000000" charset="-128"/>
+                <a:latin typeface="BIZ UDPゴシック" panose="020B0400000000000000" charset="-128"/>
+                <a:ea typeface="BIZ UDPゴシック" panose="020B0400000000000000" charset="-128"/>
               </a:rPr>
               <a:t>対象</a:t>
             </a:r>
             <a:endParaRPr lang="ja-JP" altLang="en-US" sz="2000">
-              <a:latin typeface="Takao Pゴシック" panose="020B0500000000000000" charset="-128"/>
-              <a:ea typeface="Takao Pゴシック" panose="020B0500000000000000" charset="-128"/>
+              <a:latin typeface="BIZ UDPゴシック" panose="020B0400000000000000" charset="-128"/>
+              <a:ea typeface="BIZ UDPゴシック" panose="020B0400000000000000" charset="-128"/>
             </a:endParaRPr>
           </a:p>
         </p:txBody>
       </p:sp>
+      <p:pic>
+        <p:nvPicPr>
+          <p:cNvPr id="24" name="図形 23" descr="社長-101"/>
+          <p:cNvPicPr>
+            <a:picLocks noChangeAspect="1"/>
+          </p:cNvPicPr>
+          <p:nvPr/>
+        </p:nvPicPr>
+        <p:blipFill>
+          <a:blip r:embed="rId5"/>
+          <a:stretch>
+            <a:fillRect/>
+          </a:stretch>
+        </p:blipFill>
+        <p:spPr>
+          <a:xfrm>
+            <a:off x="408305" y="1388745"/>
+            <a:ext cx="666750" cy="666750"/>
+          </a:xfrm>
+          <a:prstGeom prst="rect">
+            <a:avLst/>
+          </a:prstGeom>
+        </p:spPr>
+      </p:pic>
+      <p:pic>
+        <p:nvPicPr>
+          <p:cNvPr id="25" name="図形 24" descr="シールド-101"/>
+          <p:cNvPicPr>
+            <a:picLocks noChangeAspect="1"/>
+          </p:cNvPicPr>
+          <p:nvPr/>
+        </p:nvPicPr>
+        <p:blipFill>
+          <a:blip r:embed="rId6"/>
+          <a:stretch>
+            <a:fillRect/>
+          </a:stretch>
+        </p:blipFill>
+        <p:spPr>
+          <a:xfrm>
+            <a:off x="4431030" y="1699260"/>
+            <a:ext cx="523875" cy="666750"/>
+          </a:xfrm>
+          <a:prstGeom prst="rect">
+            <a:avLst/>
+          </a:prstGeom>
+        </p:spPr>
+      </p:pic>
+      <p:pic>
+        <p:nvPicPr>
+          <p:cNvPr id="26" name="図形 25" descr="脆弱性-101"/>
+          <p:cNvPicPr>
+            <a:picLocks noChangeAspect="1"/>
+          </p:cNvPicPr>
+          <p:nvPr/>
+        </p:nvPicPr>
+        <p:blipFill>
+          <a:blip r:embed="rId7"/>
+          <a:stretch>
+            <a:fillRect/>
+          </a:stretch>
+        </p:blipFill>
+        <p:spPr>
+          <a:xfrm>
+            <a:off x="5958205" y="2914650"/>
+            <a:ext cx="666750" cy="552450"/>
+          </a:xfrm>
+          <a:prstGeom prst="rect">
+            <a:avLst/>
+          </a:prstGeom>
+        </p:spPr>
+      </p:pic>
+      <p:pic>
+        <p:nvPicPr>
+          <p:cNvPr id="47" name="図形 46" descr="ドル袋-103"/>
+          <p:cNvPicPr>
+            <a:picLocks noChangeAspect="1"/>
+          </p:cNvPicPr>
+          <p:nvPr/>
+        </p:nvPicPr>
+        <p:blipFill>
+          <a:blip r:embed="rId8"/>
+          <a:stretch>
+            <a:fillRect/>
+          </a:stretch>
+        </p:blipFill>
+        <p:spPr>
+          <a:xfrm>
+            <a:off x="10168890" y="5258435"/>
+            <a:ext cx="663575" cy="910590"/>
+          </a:xfrm>
+          <a:prstGeom prst="rect">
+            <a:avLst/>
+          </a:prstGeom>
+        </p:spPr>
+      </p:pic>
+      <p:pic>
+        <p:nvPicPr>
+          <p:cNvPr id="51" name="図形 50" descr="ウィルス-101"/>
+          <p:cNvPicPr>
+            <a:picLocks noChangeAspect="1"/>
+          </p:cNvPicPr>
+          <p:nvPr/>
+        </p:nvPicPr>
+        <p:blipFill>
+          <a:blip r:embed="rId9"/>
+          <a:stretch>
+            <a:fillRect/>
+          </a:stretch>
+        </p:blipFill>
+        <p:spPr>
+          <a:xfrm>
+            <a:off x="408305" y="5588635"/>
+            <a:ext cx="666750" cy="666750"/>
+          </a:xfrm>
+          <a:prstGeom prst="rect">
+            <a:avLst/>
+          </a:prstGeom>
+        </p:spPr>
+      </p:pic>
     </p:spTree>
   </p:cSld>
   <p:clrMapOvr>
@@ -4817,7 +4372,7 @@
 </file>
 
 <file path=ppt/theme/theme1.xml><?xml version="1.0" encoding="utf-8"?>
-<a:theme xmlns:a="http://schemas.openxmlformats.org/drawingml/2006/main" name="2_ユーザー設定デザイン">
+<a:theme xmlns:a="http://schemas.openxmlformats.org/drawingml/2006/main" name="1_Office テーマ">
   <a:themeElements>
     <a:clrScheme name="Office">
       <a:dk1>
@@ -5073,39 +4628,50 @@
         <a:solidFill>
           <a:schemeClr val="bg1"/>
         </a:solidFill>
-        <a:ln w="19050" cmpd="sng">
+        <a:ln w="25400">
           <a:solidFill>
             <a:schemeClr val="tx1"/>
           </a:solidFill>
-          <a:prstDash val="solid"/>
         </a:ln>
       </a:spPr>
-      <a:bodyPr wrap="none" rtlCol="0" anchor="ctr" anchorCtr="0">
-        <a:noAutofit/>
-      </a:bodyPr>
+      <a:bodyPr rtlCol="0" anchor="ctr"/>
       <a:lstStyle>
         <a:defPPr algn="ctr">
-          <a:defRPr lang="ja-JP" altLang="en-US" sz="2000">
-            <a:ln w="12700">
-              <a:noFill/>
-              <a:prstDash val="solid"/>
-            </a:ln>
+          <a:defRPr lang="ja-JP" altLang="en-US" sz="2800">
             <a:solidFill>
               <a:schemeClr val="tx1"/>
             </a:solidFill>
-            <a:effectLst/>
             <a:latin typeface="Takao Pゴシック" panose="020B0500000000000000" charset="-128"/>
             <a:ea typeface="Takao Pゴシック" panose="020B0500000000000000" charset="-128"/>
           </a:defRPr>
         </a:defPPr>
       </a:lstStyle>
+      <a:style>
+        <a:lnRef idx="2">
+          <a:schemeClr val="accent1">
+            <a:shade val="50000"/>
+          </a:schemeClr>
+        </a:lnRef>
+        <a:fillRef idx="1">
+          <a:schemeClr val="accent1"/>
+        </a:fillRef>
+        <a:effectRef idx="0">
+          <a:schemeClr val="accent1"/>
+        </a:effectRef>
+        <a:fontRef idx="minor">
+          <a:schemeClr val="lt1"/>
+        </a:fontRef>
+      </a:style>
     </a:spDef>
     <a:lnDef>
       <a:spPr>
-        <a:ln w="25400">
+        <a:ln w="38100">
           <a:solidFill>
-            <a:schemeClr val="tx1"/>
+            <a:schemeClr val="bg1">
+              <a:lumMod val="50000"/>
+            </a:schemeClr>
           </a:solidFill>
+          <a:tailEnd type="none"/>
         </a:ln>
       </a:spPr>
       <a:bodyPr/>
@@ -5134,7 +4700,7 @@
       </a:bodyPr>
       <a:lstStyle>
         <a:defPPr>
-          <a:defRPr lang="en-US" altLang="ja-JP" sz="2400">
+          <a:defRPr lang="ja-JP" altLang="en-US" sz="2800">
             <a:latin typeface="Takao Pゴシック" panose="020B0500000000000000" charset="-128"/>
             <a:ea typeface="Takao Pゴシック" panose="020B0500000000000000" charset="-128"/>
           </a:defRPr>

--- a/Original_Format/対策・脆弱性・脅威・リスク・資産の関係.pptx
+++ b/Original_Format/対策・脆弱性・脅威・リスク・資産の関係.pptx
@@ -2835,7 +2835,7 @@
         </p:nvSpPr>
         <p:spPr>
           <a:xfrm>
-            <a:off x="7693660" y="779145"/>
+            <a:off x="7573010" y="6337300"/>
             <a:ext cx="4403090" cy="304800"/>
           </a:xfrm>
           <a:prstGeom prst="rect">
@@ -4051,54 +4051,6 @@
           </a:prstGeom>
         </p:spPr>
       </p:pic>
-      <p:pic>
-        <p:nvPicPr>
-          <p:cNvPr id="60" name="図形 59" descr="Arrow-105"/>
-          <p:cNvPicPr>
-            <a:picLocks noChangeAspect="1"/>
-          </p:cNvPicPr>
-          <p:nvPr/>
-        </p:nvPicPr>
-        <p:blipFill>
-          <a:blip r:embed="rId3"/>
-          <a:stretch>
-            <a:fillRect/>
-          </a:stretch>
-        </p:blipFill>
-        <p:spPr>
-          <a:xfrm>
-            <a:off x="2392045" y="4456430"/>
-            <a:ext cx="437515" cy="437515"/>
-          </a:xfrm>
-          <a:prstGeom prst="rect">
-            <a:avLst/>
-          </a:prstGeom>
-        </p:spPr>
-      </p:pic>
-      <p:pic>
-        <p:nvPicPr>
-          <p:cNvPr id="62" name="図形 61" descr="fire-flame-800px"/>
-          <p:cNvPicPr>
-            <a:picLocks noChangeAspect="1"/>
-          </p:cNvPicPr>
-          <p:nvPr/>
-        </p:nvPicPr>
-        <p:blipFill>
-          <a:blip r:embed="rId4"/>
-          <a:stretch>
-            <a:fillRect/>
-          </a:stretch>
-        </p:blipFill>
-        <p:spPr>
-          <a:xfrm>
-            <a:off x="3014980" y="5258435"/>
-            <a:ext cx="482600" cy="666115"/>
-          </a:xfrm>
-          <a:prstGeom prst="rect">
-            <a:avLst/>
-          </a:prstGeom>
-        </p:spPr>
-      </p:pic>
       <p:cxnSp>
         <p:nvCxnSpPr>
           <p:cNvPr id="3" name="直線コネクタ 2"/>
@@ -4245,7 +4197,55 @@
       </p:sp>
       <p:pic>
         <p:nvPicPr>
-          <p:cNvPr id="24" name="図形 23" descr="社長-101"/>
+          <p:cNvPr id="25" name="図形 24" descr="シールド-101"/>
+          <p:cNvPicPr>
+            <a:picLocks noChangeAspect="1"/>
+          </p:cNvPicPr>
+          <p:nvPr/>
+        </p:nvPicPr>
+        <p:blipFill>
+          <a:blip r:embed="rId3"/>
+          <a:stretch>
+            <a:fillRect/>
+          </a:stretch>
+        </p:blipFill>
+        <p:spPr>
+          <a:xfrm>
+            <a:off x="4431030" y="1699260"/>
+            <a:ext cx="523875" cy="666750"/>
+          </a:xfrm>
+          <a:prstGeom prst="rect">
+            <a:avLst/>
+          </a:prstGeom>
+        </p:spPr>
+      </p:pic>
+      <p:pic>
+        <p:nvPicPr>
+          <p:cNvPr id="26" name="図形 25" descr="脆弱性-101"/>
+          <p:cNvPicPr>
+            <a:picLocks noChangeAspect="1"/>
+          </p:cNvPicPr>
+          <p:nvPr/>
+        </p:nvPicPr>
+        <p:blipFill>
+          <a:blip r:embed="rId4"/>
+          <a:stretch>
+            <a:fillRect/>
+          </a:stretch>
+        </p:blipFill>
+        <p:spPr>
+          <a:xfrm>
+            <a:off x="5958205" y="2914650"/>
+            <a:ext cx="666750" cy="552450"/>
+          </a:xfrm>
+          <a:prstGeom prst="rect">
+            <a:avLst/>
+          </a:prstGeom>
+        </p:spPr>
+      </p:pic>
+      <p:pic>
+        <p:nvPicPr>
+          <p:cNvPr id="27" name="図形 26" descr="社長-101"/>
           <p:cNvPicPr>
             <a:picLocks noChangeAspect="1"/>
           </p:cNvPicPr>
@@ -4269,7 +4269,7 @@
       </p:pic>
       <p:pic>
         <p:nvPicPr>
-          <p:cNvPr id="25" name="図形 24" descr="シールド-101"/>
+          <p:cNvPr id="35" name="図形 34" descr="矢印-306"/>
           <p:cNvPicPr>
             <a:picLocks noChangeAspect="1"/>
           </p:cNvPicPr>
@@ -4283,8 +4283,8 @@
         </p:blipFill>
         <p:spPr>
           <a:xfrm>
-            <a:off x="4431030" y="1699260"/>
-            <a:ext cx="523875" cy="666750"/>
+            <a:off x="917575" y="3590290"/>
+            <a:ext cx="666750" cy="561975"/>
           </a:xfrm>
           <a:prstGeom prst="rect">
             <a:avLst/>
@@ -4293,7 +4293,7 @@
       </p:pic>
       <p:pic>
         <p:nvPicPr>
-          <p:cNvPr id="26" name="図形 25" descr="脆弱性-101"/>
+          <p:cNvPr id="53" name="図形 52" descr="ウィルス-106"/>
           <p:cNvPicPr>
             <a:picLocks noChangeAspect="1"/>
           </p:cNvPicPr>
@@ -4307,8 +4307,8 @@
         </p:blipFill>
         <p:spPr>
           <a:xfrm>
-            <a:off x="5958205" y="2914650"/>
-            <a:ext cx="666750" cy="552450"/>
+            <a:off x="551815" y="5521960"/>
+            <a:ext cx="523240" cy="523240"/>
           </a:xfrm>
           <a:prstGeom prst="rect">
             <a:avLst/>
@@ -4317,7 +4317,7 @@
       </p:pic>
       <p:pic>
         <p:nvPicPr>
-          <p:cNvPr id="47" name="図形 46" descr="ドル袋-103"/>
+          <p:cNvPr id="56" name="図形 55" descr="ドル袋-106"/>
           <p:cNvPicPr>
             <a:picLocks noChangeAspect="1"/>
           </p:cNvPicPr>
@@ -4331,8 +4331,8 @@
         </p:blipFill>
         <p:spPr>
           <a:xfrm>
-            <a:off x="10168890" y="5258435"/>
-            <a:ext cx="663575" cy="910590"/>
+            <a:off x="10098405" y="4497705"/>
+            <a:ext cx="652145" cy="895350"/>
           </a:xfrm>
           <a:prstGeom prst="rect">
             <a:avLst/>
@@ -4341,7 +4341,7 @@
       </p:pic>
       <p:pic>
         <p:nvPicPr>
-          <p:cNvPr id="51" name="図形 50" descr="ウィルス-101"/>
+          <p:cNvPr id="58" name="図形 57" descr="悪人-101"/>
           <p:cNvPicPr>
             <a:picLocks noChangeAspect="1"/>
           </p:cNvPicPr>
@@ -4355,8 +4355,8 @@
         </p:blipFill>
         <p:spPr>
           <a:xfrm>
-            <a:off x="408305" y="5588635"/>
-            <a:ext cx="666750" cy="666750"/>
+            <a:off x="3021330" y="5378450"/>
+            <a:ext cx="609600" cy="666750"/>
           </a:xfrm>
           <a:prstGeom prst="rect">
             <a:avLst/>
